--- a/math_ds_02.pptx
+++ b/math_ds_02.pptx
@@ -5,7 +5,7 @@
     <p:sldMasterId id="2147483660" r:id="rId1"/>
   </p:sldMasterIdLst>
   <p:notesMasterIdLst>
-    <p:notesMasterId r:id="rId24"/>
+    <p:notesMasterId r:id="rId25"/>
   </p:notesMasterIdLst>
   <p:sldIdLst>
     <p:sldId id="260" r:id="rId2"/>
@@ -23,13 +23,14 @@
     <p:sldId id="586" r:id="rId14"/>
     <p:sldId id="587" r:id="rId15"/>
     <p:sldId id="588" r:id="rId16"/>
-    <p:sldId id="589" r:id="rId17"/>
-    <p:sldId id="590" r:id="rId18"/>
-    <p:sldId id="591" r:id="rId19"/>
-    <p:sldId id="595" r:id="rId20"/>
-    <p:sldId id="592" r:id="rId21"/>
-    <p:sldId id="593" r:id="rId22"/>
-    <p:sldId id="594" r:id="rId23"/>
+    <p:sldId id="596" r:id="rId17"/>
+    <p:sldId id="589" r:id="rId18"/>
+    <p:sldId id="590" r:id="rId19"/>
+    <p:sldId id="591" r:id="rId20"/>
+    <p:sldId id="595" r:id="rId21"/>
+    <p:sldId id="592" r:id="rId22"/>
+    <p:sldId id="593" r:id="rId23"/>
+    <p:sldId id="594" r:id="rId24"/>
   </p:sldIdLst>
   <p:sldSz cx="9144000" cy="6858000" type="screen4x3"/>
   <p:notesSz cx="6858000" cy="9144000"/>
@@ -1378,7 +1379,7 @@
     </p:spTree>
     <p:extLst>
       <p:ext uri="{BB962C8B-B14F-4D97-AF65-F5344CB8AC3E}">
-        <p14:creationId xmlns:p14="http://schemas.microsoft.com/office/powerpoint/2010/main" val="2011631581"/>
+        <p14:creationId xmlns:p14="http://schemas.microsoft.com/office/powerpoint/2010/main" val="67187301"/>
       </p:ext>
     </p:extLst>
   </p:cSld>
@@ -4226,8 +4227,8 @@
           </a:p>
         </p:txBody>
       </p:sp>
-      <mc:AlternateContent xmlns:mc="http://schemas.openxmlformats.org/markup-compatibility/2006">
-        <mc:Choice xmlns:a14="http://schemas.microsoft.com/office/drawing/2010/main" Requires="a14">
+      <mc:AlternateContent xmlns:mc="http://schemas.openxmlformats.org/markup-compatibility/2006" xmlns:a14="http://schemas.microsoft.com/office/drawing/2010/main">
+        <mc:Choice Requires="a14">
           <p:sp>
             <p:nvSpPr>
               <p:cNvPr id="3" name="Текст 2">
@@ -4404,7 +4405,7 @@
             </p:txBody>
           </p:sp>
         </mc:Choice>
-        <mc:Fallback>
+        <mc:Fallback xmlns="">
           <p:sp>
             <p:nvSpPr>
               <p:cNvPr id="3" name="Текст 2">
@@ -5024,8 +5025,8 @@
           </a:prstGeom>
         </p:spPr>
       </p:pic>
-      <mc:AlternateContent xmlns:mc="http://schemas.openxmlformats.org/markup-compatibility/2006">
-        <mc:Choice xmlns:a14="http://schemas.microsoft.com/office/drawing/2010/main" Requires="a14">
+      <mc:AlternateContent xmlns:mc="http://schemas.openxmlformats.org/markup-compatibility/2006" xmlns:a14="http://schemas.microsoft.com/office/drawing/2010/main">
+        <mc:Choice Requires="a14">
           <p:sp>
             <p:nvSpPr>
               <p:cNvPr id="6" name="TextBox 5">
@@ -5054,6 +5055,7 @@
               </a:bodyPr>
               <a:lstStyle/>
               <a:p>
+                <a:pPr/>
                 <a14:m>
                   <m:oMathPara xmlns:m="http://schemas.openxmlformats.org/officeDocument/2006/math">
                     <m:oMathParaPr>
@@ -5237,7 +5239,7 @@
             </p:txBody>
           </p:sp>
         </mc:Choice>
-        <mc:Fallback>
+        <mc:Fallback xmlns="">
           <p:sp>
             <p:nvSpPr>
               <p:cNvPr id="6" name="TextBox 5">
@@ -5340,8 +5342,8 @@
           </a:p>
         </p:txBody>
       </p:sp>
-      <mc:AlternateContent xmlns:mc="http://schemas.openxmlformats.org/markup-compatibility/2006">
-        <mc:Choice xmlns:a14="http://schemas.microsoft.com/office/drawing/2010/main" Requires="a14">
+      <mc:AlternateContent xmlns:mc="http://schemas.openxmlformats.org/markup-compatibility/2006" xmlns:a14="http://schemas.microsoft.com/office/drawing/2010/main">
+        <mc:Choice Requires="a14">
           <p:sp>
             <p:nvSpPr>
               <p:cNvPr id="3" name="Текст 2">
@@ -5849,7 +5851,7 @@
             </p:txBody>
           </p:sp>
         </mc:Choice>
-        <mc:Fallback>
+        <mc:Fallback xmlns="">
           <p:sp>
             <p:nvSpPr>
               <p:cNvPr id="3" name="Текст 2">
@@ -5947,38 +5949,8 @@
           </a:p>
         </p:txBody>
       </p:sp>
-      <p:pic>
-        <p:nvPicPr>
-          <p:cNvPr id="5" name="Рисунок 4">
-            <a:extLst>
-              <a:ext uri="{FF2B5EF4-FFF2-40B4-BE49-F238E27FC236}">
-                <a16:creationId xmlns:a16="http://schemas.microsoft.com/office/drawing/2014/main" id="{B33C1B34-8BFA-1E45-9C95-A4FEA831C76F}"/>
-              </a:ext>
-            </a:extLst>
-          </p:cNvPr>
-          <p:cNvPicPr>
-            <a:picLocks noChangeAspect="1"/>
-          </p:cNvPicPr>
-          <p:nvPr/>
-        </p:nvPicPr>
-        <p:blipFill>
-          <a:blip r:embed="rId2"/>
-          <a:stretch>
-            <a:fillRect/>
-          </a:stretch>
-        </p:blipFill>
-        <p:spPr>
-          <a:xfrm>
-            <a:off x="1133648" y="3628641"/>
-            <a:ext cx="6876703" cy="2708363"/>
-          </a:xfrm>
-          <a:prstGeom prst="rect">
-            <a:avLst/>
-          </a:prstGeom>
-        </p:spPr>
-      </p:pic>
-      <mc:AlternateContent xmlns:mc="http://schemas.openxmlformats.org/markup-compatibility/2006">
-        <mc:Choice xmlns:a14="http://schemas.microsoft.com/office/drawing/2010/main" Requires="a14">
+      <mc:AlternateContent xmlns:mc="http://schemas.openxmlformats.org/markup-compatibility/2006" xmlns:a14="http://schemas.microsoft.com/office/drawing/2010/main">
+        <mc:Choice Requires="a14">
           <p:sp>
             <p:nvSpPr>
               <p:cNvPr id="7" name="TextBox 6">
@@ -6240,7 +6212,7 @@
             </p:txBody>
           </p:sp>
         </mc:Choice>
-        <mc:Fallback>
+        <mc:Fallback xmlns="">
           <p:sp>
             <p:nvSpPr>
               <p:cNvPr id="7" name="TextBox 6">
@@ -6285,8 +6257,8 @@
           </p:sp>
         </mc:Fallback>
       </mc:AlternateContent>
-      <mc:AlternateContent xmlns:mc="http://schemas.openxmlformats.org/markup-compatibility/2006">
-        <mc:Choice xmlns:a14="http://schemas.microsoft.com/office/drawing/2010/main" Requires="a14">
+      <mc:AlternateContent xmlns:mc="http://schemas.openxmlformats.org/markup-compatibility/2006" xmlns:a14="http://schemas.microsoft.com/office/drawing/2010/main">
+        <mc:Choice Requires="a14">
           <p:sp>
             <p:nvSpPr>
               <p:cNvPr id="9" name="TextBox 8">
@@ -6553,7 +6525,7 @@
             </p:txBody>
           </p:sp>
         </mc:Choice>
-        <mc:Fallback>
+        <mc:Fallback xmlns="">
           <p:sp>
             <p:nvSpPr>
               <p:cNvPr id="9" name="TextBox 8">
@@ -6598,6 +6570,837 @@
           </p:sp>
         </mc:Fallback>
       </mc:AlternateContent>
+      <mc:AlternateContent xmlns:mc="http://schemas.openxmlformats.org/markup-compatibility/2006">
+        <mc:Choice xmlns:a14="http://schemas.microsoft.com/office/drawing/2010/main" Requires="a14">
+          <p:sp>
+            <p:nvSpPr>
+              <p:cNvPr id="3" name="TextBox 2">
+                <a:extLst>
+                  <a:ext uri="{FF2B5EF4-FFF2-40B4-BE49-F238E27FC236}">
+                    <a16:creationId xmlns:a16="http://schemas.microsoft.com/office/drawing/2014/main" id="{B3DF65A4-DD41-8A43-9BC8-0D7EB7CD4D36}"/>
+                  </a:ext>
+                </a:extLst>
+              </p:cNvPr>
+              <p:cNvSpPr txBox="1"/>
+              <p:nvPr/>
+            </p:nvSpPr>
+            <p:spPr>
+              <a:xfrm>
+                <a:off x="911300" y="3268910"/>
+                <a:ext cx="7697972" cy="3005759"/>
+              </a:xfrm>
+              <a:prstGeom prst="rect">
+                <a:avLst/>
+              </a:prstGeom>
+              <a:noFill/>
+            </p:spPr>
+            <p:txBody>
+              <a:bodyPr wrap="square" rtlCol="0">
+                <a:spAutoFit/>
+              </a:bodyPr>
+              <a:lstStyle/>
+              <a:p>
+                <a14:m>
+                  <m:oMath xmlns:m="http://schemas.openxmlformats.org/officeDocument/2006/math">
+                    <m:sSup>
+                      <m:sSupPr>
+                        <m:ctrlPr>
+                          <a:rPr lang="ru-RU" sz="2000" i="1" smtClean="0">
+                            <a:effectLst/>
+                            <a:latin typeface="Cambria Math" panose="02040503050406030204" pitchFamily="18" charset="0"/>
+                          </a:rPr>
+                        </m:ctrlPr>
+                      </m:sSupPr>
+                      <m:e>
+                        <m:r>
+                          <a:rPr lang="ru-RU" sz="2000" i="1" smtClean="0">
+                            <a:effectLst/>
+                            <a:latin typeface="Cambria Math" panose="02040503050406030204" pitchFamily="18" charset="0"/>
+                            <a:ea typeface="Cambria Math" panose="02040503050406030204" pitchFamily="18" charset="0"/>
+                          </a:rPr>
+                          <m:t>𝜒</m:t>
+                        </m:r>
+                      </m:e>
+                      <m:sup>
+                        <m:r>
+                          <a:rPr lang="ru-RU" sz="2000" b="0" i="1" smtClean="0">
+                            <a:effectLst/>
+                            <a:latin typeface="Cambria Math" panose="02040503050406030204" pitchFamily="18" charset="0"/>
+                          </a:rPr>
+                          <m:t>2</m:t>
+                        </m:r>
+                      </m:sup>
+                    </m:sSup>
+                  </m:oMath>
+                </a14:m>
+                <a:r>
+                  <a:rPr lang="ru-RU" sz="2000" dirty="0"/>
+                  <a:t> с </a:t>
+                </a:r>
+                <a:r>
+                  <a:rPr lang="en-US" sz="2000" i="1" dirty="0"/>
+                  <a:t>r</a:t>
+                </a:r>
+                <a:r>
+                  <a:rPr lang="en-US" sz="2000" dirty="0"/>
+                  <a:t> </a:t>
+                </a:r>
+                <a:r>
+                  <a:rPr lang="ru-RU" sz="2000" dirty="0"/>
+                  <a:t>степенями свободы – это распределение суммы квадратов </a:t>
+                </a:r>
+                <a:r>
+                  <a:rPr lang="en-US" sz="2000" i="1" dirty="0"/>
+                  <a:t>r</a:t>
+                </a:r>
+                <a:r>
+                  <a:rPr lang="en-US" sz="2000" dirty="0"/>
+                  <a:t> </a:t>
+                </a:r>
+                <a:r>
+                  <a:rPr lang="ru-RU" sz="2000" dirty="0"/>
+                  <a:t>независимых случайных величин, каждая из которых подчинена нормальному закону с мат</a:t>
+                </a:r>
+                <a:r>
+                  <a:rPr lang="en-US" sz="2000" dirty="0"/>
+                  <a:t>.</a:t>
+                </a:r>
+                <a:r>
+                  <a:rPr lang="ru-RU" sz="2000" dirty="0"/>
+                  <a:t>ожиданием = </a:t>
+                </a:r>
+                <a:r>
+                  <a:rPr lang="ru-RU" sz="2000" i="1" dirty="0"/>
+                  <a:t>0</a:t>
+                </a:r>
+                <a:r>
+                  <a:rPr lang="ru-RU" sz="2000" dirty="0"/>
+                  <a:t> и дисперсией = 1. </a:t>
+                </a:r>
+              </a:p>
+              <a:p>
+                <a:r>
+                  <a:rPr lang="ru-RU" sz="2000" dirty="0"/>
+                  <a:t>Плотность распределения:</a:t>
+                </a:r>
+              </a:p>
+              <a:p>
+                <a:r>
+                  <a:rPr lang="ru-RU" sz="2000" dirty="0"/>
+                  <a:t> </a:t>
+                </a:r>
+                <a14:m>
+                  <m:oMath xmlns:m="http://schemas.openxmlformats.org/officeDocument/2006/math">
+                    <m:sSub>
+                      <m:sSubPr>
+                        <m:ctrlPr>
+                          <a:rPr lang="ru-RU" sz="2000" i="1" smtClean="0">
+                            <a:latin typeface="Cambria Math" panose="02040503050406030204" pitchFamily="18" charset="0"/>
+                          </a:rPr>
+                        </m:ctrlPr>
+                      </m:sSubPr>
+                      <m:e>
+                        <m:r>
+                          <a:rPr lang="en-US" sz="2000" b="0" i="1" smtClean="0">
+                            <a:latin typeface="Cambria Math" panose="02040503050406030204" pitchFamily="18" charset="0"/>
+                          </a:rPr>
+                          <m:t>𝑓</m:t>
+                        </m:r>
+                      </m:e>
+                      <m:sub>
+                        <m:r>
+                          <a:rPr lang="en-US" sz="2000" b="0" i="1" smtClean="0">
+                            <a:latin typeface="Cambria Math" panose="02040503050406030204" pitchFamily="18" charset="0"/>
+                          </a:rPr>
+                          <m:t>𝑟</m:t>
+                        </m:r>
+                      </m:sub>
+                    </m:sSub>
+                    <m:d>
+                      <m:dPr>
+                        <m:ctrlPr>
+                          <a:rPr lang="en-US" sz="2000" b="0" i="1" smtClean="0">
+                            <a:latin typeface="Cambria Math" panose="02040503050406030204" pitchFamily="18" charset="0"/>
+                          </a:rPr>
+                        </m:ctrlPr>
+                      </m:dPr>
+                      <m:e>
+                        <m:r>
+                          <a:rPr lang="en-US" sz="2000" b="0" i="1" smtClean="0">
+                            <a:latin typeface="Cambria Math" panose="02040503050406030204" pitchFamily="18" charset="0"/>
+                          </a:rPr>
+                          <m:t>𝑢</m:t>
+                        </m:r>
+                      </m:e>
+                    </m:d>
+                    <m:r>
+                      <a:rPr lang="en-US" sz="2000" b="0" i="1" smtClean="0">
+                        <a:latin typeface="Cambria Math" panose="02040503050406030204" pitchFamily="18" charset="0"/>
+                      </a:rPr>
+                      <m:t>=</m:t>
+                    </m:r>
+                    <m:d>
+                      <m:dPr>
+                        <m:begChr m:val="{"/>
+                        <m:endChr m:val=""/>
+                        <m:ctrlPr>
+                          <a:rPr lang="en-US" sz="2000" b="0" i="1" smtClean="0">
+                            <a:latin typeface="Cambria Math" panose="02040503050406030204" pitchFamily="18" charset="0"/>
+                          </a:rPr>
+                        </m:ctrlPr>
+                      </m:dPr>
+                      <m:e>
+                        <m:eqArr>
+                          <m:eqArrPr>
+                            <m:ctrlPr>
+                              <a:rPr lang="en-US" sz="2000" b="0" i="1" smtClean="0">
+                                <a:latin typeface="Cambria Math" panose="02040503050406030204" pitchFamily="18" charset="0"/>
+                              </a:rPr>
+                            </m:ctrlPr>
+                          </m:eqArrPr>
+                          <m:e>
+                            <m:f>
+                              <m:fPr>
+                                <m:ctrlPr>
+                                  <a:rPr lang="en-US" sz="2000" b="0" i="1" smtClean="0">
+                                    <a:latin typeface="Cambria Math" panose="02040503050406030204" pitchFamily="18" charset="0"/>
+                                  </a:rPr>
+                                </m:ctrlPr>
+                              </m:fPr>
+                              <m:num>
+                                <m:r>
+                                  <a:rPr lang="en-US" sz="2000" b="0" i="1" smtClean="0">
+                                    <a:latin typeface="Cambria Math" panose="02040503050406030204" pitchFamily="18" charset="0"/>
+                                  </a:rPr>
+                                  <m:t>1</m:t>
+                                </m:r>
+                              </m:num>
+                              <m:den>
+                                <m:sSup>
+                                  <m:sSupPr>
+                                    <m:ctrlPr>
+                                      <a:rPr lang="en-US" sz="2000" b="0" i="1" smtClean="0">
+                                        <a:latin typeface="Cambria Math" panose="02040503050406030204" pitchFamily="18" charset="0"/>
+                                      </a:rPr>
+                                    </m:ctrlPr>
+                                  </m:sSupPr>
+                                  <m:e>
+                                    <m:r>
+                                      <a:rPr lang="en-US" sz="2000" b="0" i="1" smtClean="0">
+                                        <a:latin typeface="Cambria Math" panose="02040503050406030204" pitchFamily="18" charset="0"/>
+                                      </a:rPr>
+                                      <m:t>2</m:t>
+                                    </m:r>
+                                  </m:e>
+                                  <m:sup>
+                                    <m:f>
+                                      <m:fPr>
+                                        <m:ctrlPr>
+                                          <a:rPr lang="en-US" sz="2000" b="0" i="1" smtClean="0">
+                                            <a:latin typeface="Cambria Math" panose="02040503050406030204" pitchFamily="18" charset="0"/>
+                                          </a:rPr>
+                                        </m:ctrlPr>
+                                      </m:fPr>
+                                      <m:num>
+                                        <m:r>
+                                          <a:rPr lang="en-US" sz="2000" b="0" i="1" smtClean="0">
+                                            <a:latin typeface="Cambria Math" panose="02040503050406030204" pitchFamily="18" charset="0"/>
+                                          </a:rPr>
+                                          <m:t>𝑟</m:t>
+                                        </m:r>
+                                      </m:num>
+                                      <m:den>
+                                        <m:r>
+                                          <a:rPr lang="en-US" sz="2000" b="0" i="1" smtClean="0">
+                                            <a:latin typeface="Cambria Math" panose="02040503050406030204" pitchFamily="18" charset="0"/>
+                                          </a:rPr>
+                                          <m:t>2</m:t>
+                                        </m:r>
+                                      </m:den>
+                                    </m:f>
+                                  </m:sup>
+                                </m:sSup>
+                                <m:r>
+                                  <m:rPr>
+                                    <m:sty m:val="p"/>
+                                  </m:rPr>
+                                  <a:rPr lang="el-GR" sz="2000" b="0" i="1" smtClean="0">
+                                    <a:latin typeface="Cambria Math" panose="02040503050406030204" pitchFamily="18" charset="0"/>
+                                    <a:ea typeface="Cambria Math" panose="02040503050406030204" pitchFamily="18" charset="0"/>
+                                  </a:rPr>
+                                  <m:t>Γ</m:t>
+                                </m:r>
+                                <m:r>
+                                  <a:rPr lang="en-US" sz="2000" b="0" i="1" smtClean="0">
+                                    <a:latin typeface="Cambria Math" panose="02040503050406030204" pitchFamily="18" charset="0"/>
+                                    <a:ea typeface="Cambria Math" panose="02040503050406030204" pitchFamily="18" charset="0"/>
+                                  </a:rPr>
+                                  <m:t>(</m:t>
+                                </m:r>
+                                <m:f>
+                                  <m:fPr>
+                                    <m:ctrlPr>
+                                      <a:rPr lang="en-US" sz="2000" i="1">
+                                        <a:latin typeface="Cambria Math" panose="02040503050406030204" pitchFamily="18" charset="0"/>
+                                      </a:rPr>
+                                    </m:ctrlPr>
+                                  </m:fPr>
+                                  <m:num>
+                                    <m:r>
+                                      <a:rPr lang="en-US" sz="2000" i="1">
+                                        <a:latin typeface="Cambria Math" panose="02040503050406030204" pitchFamily="18" charset="0"/>
+                                      </a:rPr>
+                                      <m:t>𝑟</m:t>
+                                    </m:r>
+                                  </m:num>
+                                  <m:den>
+                                    <m:r>
+                                      <a:rPr lang="en-US" sz="2000" i="1">
+                                        <a:latin typeface="Cambria Math" panose="02040503050406030204" pitchFamily="18" charset="0"/>
+                                      </a:rPr>
+                                      <m:t>2</m:t>
+                                    </m:r>
+                                  </m:den>
+                                </m:f>
+                                <m:r>
+                                  <a:rPr lang="en-US" sz="2000" b="0" i="1" smtClean="0">
+                                    <a:latin typeface="Cambria Math" panose="02040503050406030204" pitchFamily="18" charset="0"/>
+                                    <a:ea typeface="Cambria Math" panose="02040503050406030204" pitchFamily="18" charset="0"/>
+                                  </a:rPr>
+                                  <m:t>)</m:t>
+                                </m:r>
+                              </m:den>
+                            </m:f>
+                            <m:sSup>
+                              <m:sSupPr>
+                                <m:ctrlPr>
+                                  <a:rPr lang="en-US" sz="2000" b="0" i="1" smtClean="0">
+                                    <a:latin typeface="Cambria Math" panose="02040503050406030204" pitchFamily="18" charset="0"/>
+                                  </a:rPr>
+                                </m:ctrlPr>
+                              </m:sSupPr>
+                              <m:e>
+                                <m:r>
+                                  <a:rPr lang="en-US" sz="2000" b="0" i="1" smtClean="0">
+                                    <a:latin typeface="Cambria Math" panose="02040503050406030204" pitchFamily="18" charset="0"/>
+                                  </a:rPr>
+                                  <m:t>𝑢</m:t>
+                                </m:r>
+                              </m:e>
+                              <m:sup>
+                                <m:f>
+                                  <m:fPr>
+                                    <m:ctrlPr>
+                                      <a:rPr lang="en-US" sz="2000" i="1">
+                                        <a:latin typeface="Cambria Math" panose="02040503050406030204" pitchFamily="18" charset="0"/>
+                                      </a:rPr>
+                                    </m:ctrlPr>
+                                  </m:fPr>
+                                  <m:num>
+                                    <m:r>
+                                      <a:rPr lang="en-US" sz="2000" i="1">
+                                        <a:latin typeface="Cambria Math" panose="02040503050406030204" pitchFamily="18" charset="0"/>
+                                      </a:rPr>
+                                      <m:t>𝑟</m:t>
+                                    </m:r>
+                                  </m:num>
+                                  <m:den>
+                                    <m:r>
+                                      <a:rPr lang="en-US" sz="2000" i="1">
+                                        <a:latin typeface="Cambria Math" panose="02040503050406030204" pitchFamily="18" charset="0"/>
+                                      </a:rPr>
+                                      <m:t>2</m:t>
+                                    </m:r>
+                                  </m:den>
+                                </m:f>
+                                <m:r>
+                                  <a:rPr lang="en-US" sz="2000" b="0" i="1" smtClean="0">
+                                    <a:latin typeface="Cambria Math" panose="02040503050406030204" pitchFamily="18" charset="0"/>
+                                  </a:rPr>
+                                  <m:t> −1</m:t>
+                                </m:r>
+                              </m:sup>
+                            </m:sSup>
+                            <m:sSup>
+                              <m:sSupPr>
+                                <m:ctrlPr>
+                                  <a:rPr lang="en-US" sz="2000" b="0" i="1" smtClean="0">
+                                    <a:latin typeface="Cambria Math" panose="02040503050406030204" pitchFamily="18" charset="0"/>
+                                  </a:rPr>
+                                </m:ctrlPr>
+                              </m:sSupPr>
+                              <m:e>
+                                <m:r>
+                                  <a:rPr lang="en-US" sz="2000" b="0" i="1" smtClean="0">
+                                    <a:latin typeface="Cambria Math" panose="02040503050406030204" pitchFamily="18" charset="0"/>
+                                  </a:rPr>
+                                  <m:t>𝑒</m:t>
+                                </m:r>
+                              </m:e>
+                              <m:sup>
+                                <m:r>
+                                  <a:rPr lang="en-US" sz="2000" b="0" i="1" smtClean="0">
+                                    <a:latin typeface="Cambria Math" panose="02040503050406030204" pitchFamily="18" charset="0"/>
+                                  </a:rPr>
+                                  <m:t>−</m:t>
+                                </m:r>
+                                <m:r>
+                                  <a:rPr lang="ru-RU" sz="2000" b="0" i="1" smtClean="0">
+                                    <a:latin typeface="Cambria Math" panose="02040503050406030204" pitchFamily="18" charset="0"/>
+                                  </a:rPr>
+                                  <m:t> </m:t>
+                                </m:r>
+                                <m:f>
+                                  <m:fPr>
+                                    <m:ctrlPr>
+                                      <a:rPr lang="en-US" sz="2000" i="1">
+                                        <a:latin typeface="Cambria Math" panose="02040503050406030204" pitchFamily="18" charset="0"/>
+                                      </a:rPr>
+                                    </m:ctrlPr>
+                                  </m:fPr>
+                                  <m:num>
+                                    <m:r>
+                                      <a:rPr lang="en-US" sz="2000" b="0" i="1" smtClean="0">
+                                        <a:latin typeface="Cambria Math" panose="02040503050406030204" pitchFamily="18" charset="0"/>
+                                      </a:rPr>
+                                      <m:t>𝑢</m:t>
+                                    </m:r>
+                                  </m:num>
+                                  <m:den>
+                                    <m:r>
+                                      <a:rPr lang="en-US" sz="2000" i="1">
+                                        <a:latin typeface="Cambria Math" panose="02040503050406030204" pitchFamily="18" charset="0"/>
+                                      </a:rPr>
+                                      <m:t>2</m:t>
+                                    </m:r>
+                                  </m:den>
+                                </m:f>
+                              </m:sup>
+                            </m:sSup>
+                            <m:r>
+                              <a:rPr lang="en-US" sz="2000" b="0" i="1" smtClean="0">
+                                <a:latin typeface="Cambria Math" panose="02040503050406030204" pitchFamily="18" charset="0"/>
+                              </a:rPr>
+                              <m:t> </m:t>
+                            </m:r>
+                            <m:r>
+                              <a:rPr lang="ru-RU" sz="2000" b="0" i="1" smtClean="0">
+                                <a:latin typeface="Cambria Math" panose="02040503050406030204" pitchFamily="18" charset="0"/>
+                              </a:rPr>
+                              <m:t>при </m:t>
+                            </m:r>
+                            <m:r>
+                              <a:rPr lang="en-US" sz="2000" b="0" i="1" smtClean="0">
+                                <a:latin typeface="Cambria Math" panose="02040503050406030204" pitchFamily="18" charset="0"/>
+                              </a:rPr>
+                              <m:t>𝑢</m:t>
+                            </m:r>
+                            <m:r>
+                              <a:rPr lang="en-US" sz="2000" b="0" i="1" smtClean="0">
+                                <a:latin typeface="Cambria Math" panose="02040503050406030204" pitchFamily="18" charset="0"/>
+                              </a:rPr>
+                              <m:t>&gt;0</m:t>
+                            </m:r>
+                          </m:e>
+                          <m:e>
+                            <m:r>
+                              <a:rPr lang="en-US" sz="2000" b="0" i="1" smtClean="0">
+                                <a:latin typeface="Cambria Math" panose="02040503050406030204" pitchFamily="18" charset="0"/>
+                              </a:rPr>
+                              <m:t>0 </m:t>
+                            </m:r>
+                            <m:r>
+                              <a:rPr lang="ru-RU" sz="2000" b="0" i="1" smtClean="0">
+                                <a:latin typeface="Cambria Math" panose="02040503050406030204" pitchFamily="18" charset="0"/>
+                              </a:rPr>
+                              <m:t>при </m:t>
+                            </m:r>
+                            <m:r>
+                              <a:rPr lang="en-US" sz="2000" b="0" i="1" smtClean="0">
+                                <a:latin typeface="Cambria Math" panose="02040503050406030204" pitchFamily="18" charset="0"/>
+                              </a:rPr>
+                              <m:t>𝑢</m:t>
+                            </m:r>
+                            <m:r>
+                              <a:rPr lang="en-US" sz="2000" b="0" i="1" smtClean="0">
+                                <a:latin typeface="Cambria Math" panose="02040503050406030204" pitchFamily="18" charset="0"/>
+                              </a:rPr>
+                              <m:t>≤0</m:t>
+                            </m:r>
+                          </m:e>
+                        </m:eqArr>
+                        <m:r>
+                          <a:rPr lang="en-US" sz="2000" b="0" i="1" smtClean="0">
+                            <a:latin typeface="Cambria Math" panose="02040503050406030204" pitchFamily="18" charset="0"/>
+                          </a:rPr>
+                          <m:t>,</m:t>
+                        </m:r>
+                      </m:e>
+                    </m:d>
+                  </m:oMath>
+                </a14:m>
+                <a:endParaRPr lang="en-US" sz="2000" dirty="0"/>
+              </a:p>
+              <a:p>
+                <a:r>
+                  <a:rPr lang="ru-RU" sz="2000" dirty="0"/>
+                  <a:t>где </a:t>
+                </a:r>
+                <a14:m>
+                  <m:oMath xmlns:m="http://schemas.openxmlformats.org/officeDocument/2006/math">
+                    <m:r>
+                      <m:rPr>
+                        <m:sty m:val="p"/>
+                      </m:rPr>
+                      <a:rPr lang="el-GR" sz="2000" b="0" i="1" smtClean="0">
+                        <a:latin typeface="Cambria Math" panose="02040503050406030204" pitchFamily="18" charset="0"/>
+                        <a:ea typeface="Cambria Math" panose="02040503050406030204" pitchFamily="18" charset="0"/>
+                      </a:rPr>
+                      <m:t>Γ</m:t>
+                    </m:r>
+                    <m:d>
+                      <m:dPr>
+                        <m:ctrlPr>
+                          <a:rPr lang="ru-RU" sz="2000" b="0" i="1" smtClean="0">
+                            <a:latin typeface="Cambria Math" panose="02040503050406030204" pitchFamily="18" charset="0"/>
+                            <a:ea typeface="Cambria Math" panose="02040503050406030204" pitchFamily="18" charset="0"/>
+                          </a:rPr>
+                        </m:ctrlPr>
+                      </m:dPr>
+                      <m:e>
+                        <m:r>
+                          <a:rPr lang="ru-RU" sz="2000" b="0" i="1" smtClean="0">
+                            <a:latin typeface="Cambria Math" panose="02040503050406030204" pitchFamily="18" charset="0"/>
+                            <a:ea typeface="Cambria Math" panose="02040503050406030204" pitchFamily="18" charset="0"/>
+                          </a:rPr>
+                          <m:t>𝛼</m:t>
+                        </m:r>
+                      </m:e>
+                    </m:d>
+                    <m:r>
+                      <a:rPr lang="ru-RU" sz="2000" b="0" i="1" smtClean="0">
+                        <a:latin typeface="Cambria Math" panose="02040503050406030204" pitchFamily="18" charset="0"/>
+                        <a:ea typeface="Cambria Math" panose="02040503050406030204" pitchFamily="18" charset="0"/>
+                      </a:rPr>
+                      <m:t>=</m:t>
+                    </m:r>
+                    <m:nary>
+                      <m:naryPr>
+                        <m:ctrlPr>
+                          <a:rPr lang="ru-RU" sz="2000" b="0" i="1" smtClean="0">
+                            <a:latin typeface="Cambria Math" panose="02040503050406030204" pitchFamily="18" charset="0"/>
+                            <a:ea typeface="Cambria Math" panose="02040503050406030204" pitchFamily="18" charset="0"/>
+                          </a:rPr>
+                        </m:ctrlPr>
+                      </m:naryPr>
+                      <m:sub>
+                        <m:r>
+                          <m:rPr>
+                            <m:brk m:alnAt="23"/>
+                          </m:rPr>
+                          <a:rPr lang="ru-RU" sz="2000" b="0" i="1" smtClean="0">
+                            <a:latin typeface="Cambria Math" panose="02040503050406030204" pitchFamily="18" charset="0"/>
+                            <a:ea typeface="Cambria Math" panose="02040503050406030204" pitchFamily="18" charset="0"/>
+                          </a:rPr>
+                          <m:t>0</m:t>
+                        </m:r>
+                      </m:sub>
+                      <m:sup>
+                        <m:r>
+                          <a:rPr lang="ru-RU" sz="2000" b="0" i="1" smtClean="0">
+                            <a:latin typeface="Cambria Math" panose="02040503050406030204" pitchFamily="18" charset="0"/>
+                            <a:ea typeface="Cambria Math" panose="02040503050406030204" pitchFamily="18" charset="0"/>
+                          </a:rPr>
+                          <m:t>∞</m:t>
+                        </m:r>
+                      </m:sup>
+                      <m:e>
+                        <m:sSup>
+                          <m:sSupPr>
+                            <m:ctrlPr>
+                              <a:rPr lang="ru-RU" sz="2000" b="0" i="1" smtClean="0">
+                                <a:latin typeface="Cambria Math" panose="02040503050406030204" pitchFamily="18" charset="0"/>
+                                <a:ea typeface="Cambria Math" panose="02040503050406030204" pitchFamily="18" charset="0"/>
+                              </a:rPr>
+                            </m:ctrlPr>
+                          </m:sSupPr>
+                          <m:e>
+                            <m:r>
+                              <a:rPr lang="en-US" sz="2000" b="0" i="1" smtClean="0">
+                                <a:latin typeface="Cambria Math" panose="02040503050406030204" pitchFamily="18" charset="0"/>
+                                <a:ea typeface="Cambria Math" panose="02040503050406030204" pitchFamily="18" charset="0"/>
+                              </a:rPr>
+                              <m:t>𝑡</m:t>
+                            </m:r>
+                          </m:e>
+                          <m:sup>
+                            <m:r>
+                              <a:rPr lang="ru-RU" sz="2000" b="0" i="1" smtClean="0">
+                                <a:latin typeface="Cambria Math" panose="02040503050406030204" pitchFamily="18" charset="0"/>
+                                <a:ea typeface="Cambria Math" panose="02040503050406030204" pitchFamily="18" charset="0"/>
+                              </a:rPr>
+                              <m:t>𝛼</m:t>
+                            </m:r>
+                            <m:r>
+                              <a:rPr lang="en-US" sz="2000" b="0" i="1" smtClean="0">
+                                <a:latin typeface="Cambria Math" panose="02040503050406030204" pitchFamily="18" charset="0"/>
+                                <a:ea typeface="Cambria Math" panose="02040503050406030204" pitchFamily="18" charset="0"/>
+                              </a:rPr>
+                              <m:t>−1</m:t>
+                            </m:r>
+                          </m:sup>
+                        </m:sSup>
+                      </m:e>
+                    </m:nary>
+                    <m:sSup>
+                      <m:sSupPr>
+                        <m:ctrlPr>
+                          <a:rPr lang="ru-RU" sz="2000" b="0" i="1" smtClean="0">
+                            <a:latin typeface="Cambria Math" panose="02040503050406030204" pitchFamily="18" charset="0"/>
+                            <a:ea typeface="Cambria Math" panose="02040503050406030204" pitchFamily="18" charset="0"/>
+                          </a:rPr>
+                        </m:ctrlPr>
+                      </m:sSupPr>
+                      <m:e>
+                        <m:r>
+                          <a:rPr lang="en-US" sz="2000" b="0" i="1" smtClean="0">
+                            <a:latin typeface="Cambria Math" panose="02040503050406030204" pitchFamily="18" charset="0"/>
+                            <a:ea typeface="Cambria Math" panose="02040503050406030204" pitchFamily="18" charset="0"/>
+                          </a:rPr>
+                          <m:t>𝑒</m:t>
+                        </m:r>
+                      </m:e>
+                      <m:sup>
+                        <m:r>
+                          <a:rPr lang="en-US" sz="2000" b="0" i="1" smtClean="0">
+                            <a:latin typeface="Cambria Math" panose="02040503050406030204" pitchFamily="18" charset="0"/>
+                            <a:ea typeface="Cambria Math" panose="02040503050406030204" pitchFamily="18" charset="0"/>
+                          </a:rPr>
+                          <m:t>−</m:t>
+                        </m:r>
+                        <m:r>
+                          <a:rPr lang="en-US" sz="2000" b="0" i="1" smtClean="0">
+                            <a:latin typeface="Cambria Math" panose="02040503050406030204" pitchFamily="18" charset="0"/>
+                            <a:ea typeface="Cambria Math" panose="02040503050406030204" pitchFamily="18" charset="0"/>
+                          </a:rPr>
+                          <m:t>𝑡</m:t>
+                        </m:r>
+                      </m:sup>
+                    </m:sSup>
+                    <m:r>
+                      <a:rPr lang="en" sz="2000" b="0" i="1" smtClean="0">
+                        <a:latin typeface="Cambria Math" panose="02040503050406030204" pitchFamily="18" charset="0"/>
+                        <a:ea typeface="Cambria Math" panose="02040503050406030204" pitchFamily="18" charset="0"/>
+                      </a:rPr>
+                      <m:t>ⅆ</m:t>
+                    </m:r>
+                    <m:r>
+                      <a:rPr lang="en-US" sz="2000" b="0" i="1" smtClean="0">
+                        <a:latin typeface="Cambria Math" panose="02040503050406030204" pitchFamily="18" charset="0"/>
+                        <a:ea typeface="Cambria Math" panose="02040503050406030204" pitchFamily="18" charset="0"/>
+                      </a:rPr>
+                      <m:t>𝑡</m:t>
+                    </m:r>
+                  </m:oMath>
+                </a14:m>
+                <a:r>
+                  <a:rPr lang="en-US" sz="2000" dirty="0"/>
+                  <a:t> – </a:t>
+                </a:r>
+                <a:r>
+                  <a:rPr lang="ru-RU" sz="2000" dirty="0"/>
+                  <a:t>гамма функция.</a:t>
+                </a:r>
+                <a:endParaRPr lang="en-US" sz="2000" dirty="0"/>
+              </a:p>
+              <a:p>
+                <a:r>
+                  <a:rPr lang="ru-RU" sz="2000" dirty="0"/>
+                  <a:t>мат</a:t>
+                </a:r>
+                <a:r>
+                  <a:rPr lang="en-US" sz="2000" dirty="0"/>
+                  <a:t>.</a:t>
+                </a:r>
+                <a:r>
+                  <a:rPr lang="ru-RU" sz="2000" dirty="0"/>
+                  <a:t>ожидание </a:t>
+                </a:r>
+                <a:r>
+                  <a:rPr lang="en-US" sz="2000" dirty="0">
+                    <a:latin typeface="Cambria Math" panose="02040503050406030204" pitchFamily="18" charset="0"/>
+                    <a:ea typeface="Cambria Math" panose="02040503050406030204" pitchFamily="18" charset="0"/>
+                  </a:rPr>
+                  <a:t>M[</a:t>
+                </a:r>
+                <a:r>
+                  <a:rPr lang="en-US" sz="2000" i="1" dirty="0">
+                    <a:latin typeface="Cambria Math" panose="02040503050406030204" pitchFamily="18" charset="0"/>
+                    <a:ea typeface="Cambria Math" panose="02040503050406030204" pitchFamily="18" charset="0"/>
+                  </a:rPr>
+                  <a:t>U</a:t>
+                </a:r>
+                <a:r>
+                  <a:rPr lang="ru-RU" sz="2000" i="1" dirty="0">
+                    <a:latin typeface="Cambria Math" panose="02040503050406030204" pitchFamily="18" charset="0"/>
+                    <a:ea typeface="Cambria Math" panose="02040503050406030204" pitchFamily="18" charset="0"/>
+                  </a:rPr>
+                  <a:t> </a:t>
+                </a:r>
+                <a:r>
+                  <a:rPr lang="en-US" sz="2000" dirty="0">
+                    <a:latin typeface="Cambria Math" panose="02040503050406030204" pitchFamily="18" charset="0"/>
+                    <a:ea typeface="Cambria Math" panose="02040503050406030204" pitchFamily="18" charset="0"/>
+                  </a:rPr>
+                  <a:t>]</a:t>
+                </a:r>
+                <a:r>
+                  <a:rPr lang="ru-RU" sz="2000" dirty="0">
+                    <a:latin typeface="Cambria Math" panose="02040503050406030204" pitchFamily="18" charset="0"/>
+                    <a:ea typeface="Cambria Math" panose="02040503050406030204" pitchFamily="18" charset="0"/>
+                  </a:rPr>
+                  <a:t> = </a:t>
+                </a:r>
+                <a:r>
+                  <a:rPr lang="en-US" sz="2000" i="1" dirty="0">
+                    <a:latin typeface="Cambria Math" panose="02040503050406030204" pitchFamily="18" charset="0"/>
+                    <a:ea typeface="Cambria Math" panose="02040503050406030204" pitchFamily="18" charset="0"/>
+                  </a:rPr>
+                  <a:t>r</a:t>
+                </a:r>
+                <a:r>
+                  <a:rPr lang="ru-RU" sz="2000" dirty="0"/>
+                  <a:t> и дисперсия </a:t>
+                </a:r>
+                <a:r>
+                  <a:rPr lang="en-US" sz="2000" i="1" dirty="0">
+                    <a:latin typeface="Cambria Math" panose="02040503050406030204" pitchFamily="18" charset="0"/>
+                    <a:ea typeface="Cambria Math" panose="02040503050406030204" pitchFamily="18" charset="0"/>
+                  </a:rPr>
+                  <a:t>D</a:t>
+                </a:r>
+                <a:r>
+                  <a:rPr lang="ru-RU" sz="2000" i="1" dirty="0">
+                    <a:latin typeface="Cambria Math" panose="02040503050406030204" pitchFamily="18" charset="0"/>
+                    <a:ea typeface="Cambria Math" panose="02040503050406030204" pitchFamily="18" charset="0"/>
+                  </a:rPr>
+                  <a:t> </a:t>
+                </a:r>
+                <a:r>
+                  <a:rPr lang="en-US" sz="2000" dirty="0">
+                    <a:latin typeface="Cambria Math" panose="02040503050406030204" pitchFamily="18" charset="0"/>
+                    <a:ea typeface="Cambria Math" panose="02040503050406030204" pitchFamily="18" charset="0"/>
+                  </a:rPr>
+                  <a:t>[</a:t>
+                </a:r>
+                <a:r>
+                  <a:rPr lang="en-US" sz="2000" i="1" dirty="0">
+                    <a:latin typeface="Cambria Math" panose="02040503050406030204" pitchFamily="18" charset="0"/>
+                    <a:ea typeface="Cambria Math" panose="02040503050406030204" pitchFamily="18" charset="0"/>
+                  </a:rPr>
+                  <a:t>U</a:t>
+                </a:r>
+                <a:r>
+                  <a:rPr lang="ru-RU" sz="2000" i="1" dirty="0">
+                    <a:latin typeface="Cambria Math" panose="02040503050406030204" pitchFamily="18" charset="0"/>
+                    <a:ea typeface="Cambria Math" panose="02040503050406030204" pitchFamily="18" charset="0"/>
+                  </a:rPr>
+                  <a:t> </a:t>
+                </a:r>
+                <a:r>
+                  <a:rPr lang="en-US" sz="2000" dirty="0">
+                    <a:latin typeface="Cambria Math" panose="02040503050406030204" pitchFamily="18" charset="0"/>
+                    <a:ea typeface="Cambria Math" panose="02040503050406030204" pitchFamily="18" charset="0"/>
+                  </a:rPr>
+                  <a:t>]</a:t>
+                </a:r>
+                <a:r>
+                  <a:rPr lang="ru-RU" sz="2000" dirty="0">
+                    <a:latin typeface="Cambria Math" panose="02040503050406030204" pitchFamily="18" charset="0"/>
+                    <a:ea typeface="Cambria Math" panose="02040503050406030204" pitchFamily="18" charset="0"/>
+                  </a:rPr>
+                  <a:t> = </a:t>
+                </a:r>
+                <a:r>
+                  <a:rPr lang="en-US" sz="2000" dirty="0">
+                    <a:latin typeface="Cambria Math" panose="02040503050406030204" pitchFamily="18" charset="0"/>
+                    <a:ea typeface="Cambria Math" panose="02040503050406030204" pitchFamily="18" charset="0"/>
+                  </a:rPr>
+                  <a:t>2</a:t>
+                </a:r>
+                <a:r>
+                  <a:rPr lang="en-US" sz="2000" i="1" dirty="0">
+                    <a:latin typeface="Cambria Math" panose="02040503050406030204" pitchFamily="18" charset="0"/>
+                    <a:ea typeface="Cambria Math" panose="02040503050406030204" pitchFamily="18" charset="0"/>
+                  </a:rPr>
+                  <a:t>r</a:t>
+                </a:r>
+                <a:r>
+                  <a:rPr lang="ru-RU" sz="2000" i="1" dirty="0">
+                    <a:latin typeface="Cambria Math" panose="02040503050406030204" pitchFamily="18" charset="0"/>
+                    <a:ea typeface="Cambria Math" panose="02040503050406030204" pitchFamily="18" charset="0"/>
+                  </a:rPr>
+                  <a:t> </a:t>
+                </a:r>
+                <a:r>
+                  <a:rPr lang="ru-RU" sz="2000" i="1" dirty="0">
+                    <a:ea typeface="Cambria Math" panose="02040503050406030204" pitchFamily="18" charset="0"/>
+                  </a:rPr>
+                  <a:t>. </a:t>
+                </a:r>
+                <a:endParaRPr lang="ru-RU" sz="2000" dirty="0">
+                  <a:latin typeface="Cambria Math" panose="02040503050406030204" pitchFamily="18" charset="0"/>
+                  <a:ea typeface="Cambria Math" panose="02040503050406030204" pitchFamily="18" charset="0"/>
+                </a:endParaRPr>
+              </a:p>
+            </p:txBody>
+          </p:sp>
+        </mc:Choice>
+        <mc:Fallback>
+          <p:sp>
+            <p:nvSpPr>
+              <p:cNvPr id="3" name="TextBox 2">
+                <a:extLst>
+                  <a:ext uri="{FF2B5EF4-FFF2-40B4-BE49-F238E27FC236}">
+                    <a16:creationId xmlns:a16="http://schemas.microsoft.com/office/drawing/2014/main" id="{B3DF65A4-DD41-8A43-9BC8-0D7EB7CD4D36}"/>
+                  </a:ext>
+                </a:extLst>
+              </p:cNvPr>
+              <p:cNvSpPr txBox="1">
+                <a:spLocks noRot="1" noChangeAspect="1" noMove="1" noResize="1" noEditPoints="1" noAdjustHandles="1" noChangeArrowheads="1" noChangeShapeType="1" noTextEdit="1"/>
+              </p:cNvSpPr>
+              <p:nvPr/>
+            </p:nvSpPr>
+            <p:spPr>
+              <a:xfrm>
+                <a:off x="911300" y="3268910"/>
+                <a:ext cx="7697972" cy="3005759"/>
+              </a:xfrm>
+              <a:prstGeom prst="rect">
+                <a:avLst/>
+              </a:prstGeom>
+              <a:blipFill>
+                <a:blip r:embed="rId5"/>
+                <a:stretch>
+                  <a:fillRect l="-10708" t="-35443" b="-83966"/>
+                </a:stretch>
+              </a:blipFill>
+            </p:spPr>
+            <p:txBody>
+              <a:bodyPr/>
+              <a:lstStyle/>
+              <a:p>
+                <a:r>
+                  <a:rPr lang="ru-RU">
+                    <a:noFill/>
+                  </a:rPr>
+                  <a:t> </a:t>
+                </a:r>
+              </a:p>
+            </p:txBody>
+          </p:sp>
+        </mc:Fallback>
+      </mc:AlternateContent>
     </p:spTree>
     <p:extLst>
       <p:ext uri="{BB962C8B-B14F-4D97-AF65-F5344CB8AC3E}">
@@ -6612,6 +7415,188 @@
 </file>
 
 <file path=ppt/slides/slide16.xml><?xml version="1.0" encoding="utf-8"?>
+<p:sld xmlns:a="http://schemas.openxmlformats.org/drawingml/2006/main" xmlns:r="http://schemas.openxmlformats.org/officeDocument/2006/relationships" xmlns:p="http://schemas.openxmlformats.org/presentationml/2006/main">
+  <p:cSld>
+    <p:spTree>
+      <p:nvGrpSpPr>
+        <p:cNvPr id="1" name=""/>
+        <p:cNvGrpSpPr/>
+        <p:nvPr/>
+      </p:nvGrpSpPr>
+      <p:grpSpPr>
+        <a:xfrm>
+          <a:off x="0" y="0"/>
+          <a:ext cx="0" cy="0"/>
+          <a:chOff x="0" y="0"/>
+          <a:chExt cx="0" cy="0"/>
+        </a:xfrm>
+      </p:grpSpPr>
+      <mc:AlternateContent xmlns:mc="http://schemas.openxmlformats.org/markup-compatibility/2006">
+        <mc:Choice xmlns:a14="http://schemas.microsoft.com/office/drawing/2010/main" Requires="a14">
+          <p:sp>
+            <p:nvSpPr>
+              <p:cNvPr id="2" name="Заголовок 1">
+                <a:extLst>
+                  <a:ext uri="{FF2B5EF4-FFF2-40B4-BE49-F238E27FC236}">
+                    <a16:creationId xmlns:a16="http://schemas.microsoft.com/office/drawing/2014/main" id="{1B299C58-DBC0-374D-81ED-D03AC561D4FC}"/>
+                  </a:ext>
+                </a:extLst>
+              </p:cNvPr>
+              <p:cNvSpPr>
+                <a:spLocks noGrp="1"/>
+              </p:cNvSpPr>
+              <p:nvPr>
+                <p:ph type="title"/>
+              </p:nvPr>
+            </p:nvSpPr>
+            <p:spPr/>
+            <p:txBody>
+              <a:bodyPr/>
+              <a:lstStyle/>
+              <a:p>
+                <a:r>
+                  <a:rPr lang="ru-RU" dirty="0"/>
+                  <a:t>Функция плотности распределения </a:t>
+                </a:r>
+                <a14:m>
+                  <m:oMath xmlns:m="http://schemas.openxmlformats.org/officeDocument/2006/math">
+                    <m:sSup>
+                      <m:sSupPr>
+                        <m:ctrlPr>
+                          <a:rPr lang="ru-RU" sz="4400" i="1" smtClean="0">
+                            <a:effectLst/>
+                            <a:latin typeface="Cambria Math" panose="02040503050406030204" pitchFamily="18" charset="0"/>
+                          </a:rPr>
+                        </m:ctrlPr>
+                      </m:sSupPr>
+                      <m:e>
+                        <m:r>
+                          <a:rPr lang="ru-RU" sz="4400" i="1" smtClean="0">
+                            <a:effectLst/>
+                            <a:latin typeface="Cambria Math" panose="02040503050406030204" pitchFamily="18" charset="0"/>
+                            <a:ea typeface="Cambria Math" panose="02040503050406030204" pitchFamily="18" charset="0"/>
+                          </a:rPr>
+                          <m:t>𝜒</m:t>
+                        </m:r>
+                      </m:e>
+                      <m:sup>
+                        <m:r>
+                          <a:rPr lang="ru-RU" sz="4400" b="0" i="1" smtClean="0">
+                            <a:effectLst/>
+                            <a:latin typeface="Cambria Math" panose="02040503050406030204" pitchFamily="18" charset="0"/>
+                          </a:rPr>
+                          <m:t>2</m:t>
+                        </m:r>
+                      </m:sup>
+                    </m:sSup>
+                  </m:oMath>
+                </a14:m>
+                <a:endParaRPr lang="ru-RU" dirty="0"/>
+              </a:p>
+            </p:txBody>
+          </p:sp>
+        </mc:Choice>
+        <mc:Fallback>
+          <p:sp>
+            <p:nvSpPr>
+              <p:cNvPr id="2" name="Заголовок 1">
+                <a:extLst>
+                  <a:ext uri="{FF2B5EF4-FFF2-40B4-BE49-F238E27FC236}">
+                    <a16:creationId xmlns:a16="http://schemas.microsoft.com/office/drawing/2014/main" id="{1B299C58-DBC0-374D-81ED-D03AC561D4FC}"/>
+                  </a:ext>
+                </a:extLst>
+              </p:cNvPr>
+              <p:cNvSpPr>
+                <a:spLocks noGrp="1" noRot="1" noChangeAspect="1" noMove="1" noResize="1" noEditPoints="1" noAdjustHandles="1" noChangeArrowheads="1" noChangeShapeType="1" noTextEdit="1"/>
+              </p:cNvSpPr>
+              <p:nvPr>
+                <p:ph type="title"/>
+              </p:nvPr>
+            </p:nvSpPr>
+            <p:spPr>
+              <a:blipFill>
+                <a:blip r:embed="rId2"/>
+                <a:stretch>
+                  <a:fillRect l="-3086" t="-34066" b="-21978"/>
+                </a:stretch>
+              </a:blipFill>
+            </p:spPr>
+            <p:txBody>
+              <a:bodyPr/>
+              <a:lstStyle/>
+              <a:p>
+                <a:r>
+                  <a:rPr lang="ru-RU">
+                    <a:noFill/>
+                  </a:rPr>
+                  <a:t> </a:t>
+                </a:r>
+              </a:p>
+            </p:txBody>
+          </p:sp>
+        </mc:Fallback>
+      </mc:AlternateContent>
+      <p:pic>
+        <p:nvPicPr>
+          <p:cNvPr id="1028" name="Picture 4">
+            <a:extLst>
+              <a:ext uri="{FF2B5EF4-FFF2-40B4-BE49-F238E27FC236}">
+                <a16:creationId xmlns:a16="http://schemas.microsoft.com/office/drawing/2014/main" id="{17FB6978-740E-1F4E-9D84-9340E2A8C506}"/>
+              </a:ext>
+            </a:extLst>
+          </p:cNvPr>
+          <p:cNvPicPr>
+            <a:picLocks noChangeAspect="1" noChangeArrowheads="1"/>
+          </p:cNvPicPr>
+          <p:nvPr/>
+        </p:nvPicPr>
+        <p:blipFill>
+          <a:blip r:embed="rId3">
+            <a:extLst>
+              <a:ext uri="{28A0092B-C50C-407E-A947-70E740481C1C}">
+                <a14:useLocalDpi xmlns:a14="http://schemas.microsoft.com/office/drawing/2010/main" val="0"/>
+              </a:ext>
+            </a:extLst>
+          </a:blip>
+          <a:srcRect/>
+          <a:stretch>
+            <a:fillRect/>
+          </a:stretch>
+        </p:blipFill>
+        <p:spPr bwMode="auto">
+          <a:xfrm>
+            <a:off x="1207643" y="1701208"/>
+            <a:ext cx="6728713" cy="4998126"/>
+          </a:xfrm>
+          <a:prstGeom prst="rect">
+            <a:avLst/>
+          </a:prstGeom>
+          <a:noFill/>
+          <a:extLst>
+            <a:ext uri="{909E8E84-426E-40DD-AFC4-6F175D3DCCD1}">
+              <a14:hiddenFill xmlns:a14="http://schemas.microsoft.com/office/drawing/2010/main">
+                <a:solidFill>
+                  <a:srgbClr val="FFFFFF"/>
+                </a:solidFill>
+              </a14:hiddenFill>
+            </a:ext>
+          </a:extLst>
+        </p:spPr>
+      </p:pic>
+    </p:spTree>
+    <p:extLst>
+      <p:ext uri="{BB962C8B-B14F-4D97-AF65-F5344CB8AC3E}">
+        <p14:creationId xmlns:p14="http://schemas.microsoft.com/office/powerpoint/2010/main" val="265386456"/>
+      </p:ext>
+    </p:extLst>
+  </p:cSld>
+  <p:clrMapOvr>
+    <a:masterClrMapping/>
+  </p:clrMapOvr>
+</p:sld>
+</file>
+
+<file path=ppt/slides/slide17.xml><?xml version="1.0" encoding="utf-8"?>
 <p:sld xmlns:a="http://schemas.openxmlformats.org/drawingml/2006/main" xmlns:r="http://schemas.openxmlformats.org/officeDocument/2006/relationships" xmlns:p="http://schemas.openxmlformats.org/presentationml/2006/main">
   <p:cSld>
     <p:spTree>
@@ -6656,8 +7641,8 @@
           </a:p>
         </p:txBody>
       </p:sp>
-      <mc:AlternateContent xmlns:mc="http://schemas.openxmlformats.org/markup-compatibility/2006">
-        <mc:Choice xmlns:a14="http://schemas.microsoft.com/office/drawing/2010/main" Requires="a14">
+      <mc:AlternateContent xmlns:mc="http://schemas.openxmlformats.org/markup-compatibility/2006" xmlns:a14="http://schemas.microsoft.com/office/drawing/2010/main">
+        <mc:Choice Requires="a14">
           <p:sp>
             <p:nvSpPr>
               <p:cNvPr id="3" name="Текст 2">
@@ -6848,13 +7833,16 @@
                             <m:t>𝑖</m:t>
                           </m:r>
                           <m:r>
-                            <m:rPr>
-                              <m:brk m:alnAt="23"/>
-                            </m:rPr>
                             <a:rPr lang="en-US" sz="1800" b="0" i="1" smtClean="0">
                               <a:latin typeface="Cambria Math" panose="02040503050406030204" pitchFamily="18" charset="0"/>
                             </a:rPr>
-                            <m:t>=1</m:t>
+                            <m:t>=</m:t>
+                          </m:r>
+                          <m:r>
+                            <a:rPr lang="en-US" sz="1800" b="0" i="1" smtClean="0">
+                              <a:latin typeface="Cambria Math" panose="02040503050406030204" pitchFamily="18" charset="0"/>
+                            </a:rPr>
+                            <m:t>1</m:t>
                           </m:r>
                         </m:sub>
                         <m:sup>
@@ -6949,9 +7937,6 @@
                             <m:t>𝑖</m:t>
                           </m:r>
                           <m:r>
-                            <m:rPr>
-                              <m:brk m:alnAt="23"/>
-                            </m:rPr>
                             <a:rPr lang="en-US" sz="1800" b="0" i="1" smtClean="0">
                               <a:latin typeface="Cambria Math" panose="02040503050406030204" pitchFamily="18" charset="0"/>
                             </a:rPr>
@@ -7118,9 +8103,6 @@
                             <m:t>𝑖</m:t>
                           </m:r>
                           <m:r>
-                            <m:rPr>
-                              <m:brk m:alnAt="23"/>
-                            </m:rPr>
                             <a:rPr lang="en-US" sz="1800" b="0" i="1" smtClean="0">
                               <a:latin typeface="Cambria Math" panose="02040503050406030204" pitchFamily="18" charset="0"/>
                             </a:rPr>
@@ -7351,7 +8333,7 @@
             </p:txBody>
           </p:sp>
         </mc:Choice>
-        <mc:Fallback>
+        <mc:Fallback xmlns="">
           <p:sp>
             <p:nvSpPr>
               <p:cNvPr id="3" name="Текст 2">
@@ -7404,7 +8386,7 @@
 </p:sld>
 </file>
 
-<file path=ppt/slides/slide17.xml><?xml version="1.0" encoding="utf-8"?>
+<file path=ppt/slides/slide18.xml><?xml version="1.0" encoding="utf-8"?>
 <p:sld xmlns:a="http://schemas.openxmlformats.org/drawingml/2006/main" xmlns:r="http://schemas.openxmlformats.org/officeDocument/2006/relationships" xmlns:p="http://schemas.openxmlformats.org/presentationml/2006/main">
   <p:cSld>
     <p:spTree>
@@ -7499,7 +8481,7 @@
 </p:sld>
 </file>
 
-<file path=ppt/slides/slide18.xml><?xml version="1.0" encoding="utf-8"?>
+<file path=ppt/slides/slide19.xml><?xml version="1.0" encoding="utf-8"?>
 <p:sld xmlns:a="http://schemas.openxmlformats.org/drawingml/2006/main" xmlns:r="http://schemas.openxmlformats.org/officeDocument/2006/relationships" xmlns:p="http://schemas.openxmlformats.org/presentationml/2006/main">
   <p:cSld>
     <p:spTree>
@@ -7554,8 +8536,8 @@
           </a:p>
         </p:txBody>
       </p:sp>
-      <mc:AlternateContent xmlns:mc="http://schemas.openxmlformats.org/markup-compatibility/2006">
-        <mc:Choice xmlns:a14="http://schemas.microsoft.com/office/drawing/2010/main" Requires="a14">
+      <mc:AlternateContent xmlns:mc="http://schemas.openxmlformats.org/markup-compatibility/2006" xmlns:a14="http://schemas.microsoft.com/office/drawing/2010/main">
+        <mc:Choice Requires="a14">
           <p:sp>
             <p:nvSpPr>
               <p:cNvPr id="3" name="Текст 2">
@@ -7926,7 +8908,7 @@
             </p:txBody>
           </p:sp>
         </mc:Choice>
-        <mc:Fallback>
+        <mc:Fallback xmlns="">
           <p:sp>
             <p:nvSpPr>
               <p:cNvPr id="3" name="Текст 2">
@@ -7983,7 +8965,158 @@
 </p:sld>
 </file>
 
-<file path=ppt/slides/slide19.xml><?xml version="1.0" encoding="utf-8"?>
+<file path=ppt/slides/slide2.xml><?xml version="1.0" encoding="utf-8"?>
+<p:sld xmlns:a="http://schemas.openxmlformats.org/drawingml/2006/main" xmlns:r="http://schemas.openxmlformats.org/officeDocument/2006/relationships" xmlns:p="http://schemas.openxmlformats.org/presentationml/2006/main">
+  <p:cSld>
+    <p:spTree>
+      <p:nvGrpSpPr>
+        <p:cNvPr id="1" name=""/>
+        <p:cNvGrpSpPr/>
+        <p:nvPr/>
+      </p:nvGrpSpPr>
+      <p:grpSpPr>
+        <a:xfrm>
+          <a:off x="0" y="0"/>
+          <a:ext cx="0" cy="0"/>
+          <a:chOff x="0" y="0"/>
+          <a:chExt cx="0" cy="0"/>
+        </a:xfrm>
+      </p:grpSpPr>
+      <p:sp>
+        <p:nvSpPr>
+          <p:cNvPr id="2" name="Заголовок 1">
+            <a:extLst>
+              <a:ext uri="{FF2B5EF4-FFF2-40B4-BE49-F238E27FC236}">
+                <a16:creationId xmlns:a16="http://schemas.microsoft.com/office/drawing/2014/main" id="{EBF3368F-0FBB-4643-B6E4-E11F2754E08D}"/>
+              </a:ext>
+            </a:extLst>
+          </p:cNvPr>
+          <p:cNvSpPr>
+            <a:spLocks noGrp="1"/>
+          </p:cNvSpPr>
+          <p:nvPr>
+            <p:ph type="title"/>
+          </p:nvPr>
+        </p:nvSpPr>
+        <p:spPr/>
+        <p:txBody>
+          <a:bodyPr/>
+          <a:lstStyle/>
+          <a:p>
+            <a:r>
+              <a:rPr lang="ru-RU" dirty="0"/>
+              <a:t>Выравнивание статистических рядов </a:t>
+            </a:r>
+          </a:p>
+        </p:txBody>
+      </p:sp>
+      <p:sp>
+        <p:nvSpPr>
+          <p:cNvPr id="3" name="Текст 2">
+            <a:extLst>
+              <a:ext uri="{FF2B5EF4-FFF2-40B4-BE49-F238E27FC236}">
+                <a16:creationId xmlns:a16="http://schemas.microsoft.com/office/drawing/2014/main" id="{7D24336B-FF0D-7542-8F96-F6BC6969907E}"/>
+              </a:ext>
+            </a:extLst>
+          </p:cNvPr>
+          <p:cNvSpPr>
+            <a:spLocks noGrp="1"/>
+          </p:cNvSpPr>
+          <p:nvPr>
+            <p:ph type="body" idx="1"/>
+          </p:nvPr>
+        </p:nvSpPr>
+        <p:spPr/>
+        <p:txBody>
+          <a:bodyPr/>
+          <a:lstStyle/>
+          <a:p>
+            <a:r>
+              <a:rPr lang="ru-RU" sz="1600" dirty="0">
+                <a:effectLst/>
+                <a:latin typeface="CenturyGothic"/>
+              </a:rPr>
+              <a:t>Во всяком статистическом распределении неизбежно присутствуют элементы случайности, связанные с тем. что число наблюдений ограничено, что произведены именно те, а не другие опыты, давшие именно те, а не другие результаты. </a:t>
+            </a:r>
+          </a:p>
+          <a:p>
+            <a:r>
+              <a:rPr lang="ru-RU" sz="1600" dirty="0">
+                <a:effectLst/>
+                <a:latin typeface="CenturyGothic"/>
+              </a:rPr>
+              <a:t>Только при очень большом числе наблюдений эти элементы случайности сглаживаются, и случайное явление обнаруживает в полной мере присущую ему закономерность. </a:t>
+            </a:r>
+          </a:p>
+          <a:p>
+            <a:r>
+              <a:rPr lang="ru-RU" sz="1600" dirty="0">
+                <a:effectLst/>
+                <a:latin typeface="CenturyGothic"/>
+              </a:rPr>
+              <a:t>На практике мы почти никогда не имеем дела с таким большим числом наблюдений и вынуждены считаться с тем, что любому ста­тистическому распределению свойственны в большей или меньшей, мере черты случайности. </a:t>
+            </a:r>
+          </a:p>
+          <a:p>
+            <a:r>
+              <a:rPr lang="ru-RU" sz="1600" dirty="0">
+                <a:effectLst/>
+                <a:latin typeface="CenturyGothic"/>
+              </a:rPr>
+              <a:t>Поэтому при обработке статистического материала часто приходится решать вопрос о том, как подобрать для данного статистического ряда теоретическую кривую распределения, выражающую лишь существенные черты статистического материала, но не случайности, связанные с недостаточным объемом эксперимен­тальных данных. Такая задача называется задачей </a:t>
+            </a:r>
+            <a:r>
+              <a:rPr lang="ru-RU" sz="1600" b="1" i="1" dirty="0">
+                <a:effectLst/>
+                <a:latin typeface="CenturyGothic"/>
+              </a:rPr>
+              <a:t>выравнивания </a:t>
+            </a:r>
+            <a:r>
+              <a:rPr lang="ru-RU" sz="1600" dirty="0">
+                <a:effectLst/>
+                <a:latin typeface="CenturyGothic"/>
+              </a:rPr>
+              <a:t>(сглаживания) </a:t>
+            </a:r>
+            <a:r>
+              <a:rPr lang="ru-RU" sz="1600" b="1" i="1" dirty="0">
+                <a:effectLst/>
+                <a:latin typeface="CenturyGothic"/>
+              </a:rPr>
+              <a:t>статистических рядов. </a:t>
+            </a:r>
+            <a:endParaRPr lang="ru-RU" sz="2400" dirty="0"/>
+          </a:p>
+          <a:p>
+            <a:r>
+              <a:rPr lang="ru-RU" sz="1600" dirty="0">
+                <a:effectLst/>
+                <a:latin typeface="CenturyGothic"/>
+              </a:rPr>
+              <a:t>Задача выравнивания заключается в том, чтобы подобрать теоре­тическую плавную кривую распределения, с той или иной точки зрения наилучшим образом описывающую данное статистическое рас­пределение. </a:t>
+            </a:r>
+            <a:endParaRPr lang="ru-RU" sz="2400" dirty="0"/>
+          </a:p>
+          <a:p>
+            <a:endParaRPr lang="ru-RU" sz="2400" dirty="0"/>
+          </a:p>
+        </p:txBody>
+      </p:sp>
+    </p:spTree>
+    <p:extLst>
+      <p:ext uri="{BB962C8B-B14F-4D97-AF65-F5344CB8AC3E}">
+        <p14:creationId xmlns:p14="http://schemas.microsoft.com/office/powerpoint/2010/main" val="2829172234"/>
+      </p:ext>
+    </p:extLst>
+  </p:cSld>
+  <p:clrMapOvr>
+    <a:masterClrMapping/>
+  </p:clrMapOvr>
+</p:sld>
+</file>
+
+<file path=ppt/slides/slide20.xml><?xml version="1.0" encoding="utf-8"?>
 <p:sld xmlns:a="http://schemas.openxmlformats.org/drawingml/2006/main" xmlns:r="http://schemas.openxmlformats.org/officeDocument/2006/relationships" xmlns:p="http://schemas.openxmlformats.org/presentationml/2006/main">
   <p:cSld>
     <p:spTree>
@@ -8098,158 +9231,7 @@
 </p:sld>
 </file>
 
-<file path=ppt/slides/slide2.xml><?xml version="1.0" encoding="utf-8"?>
-<p:sld xmlns:a="http://schemas.openxmlformats.org/drawingml/2006/main" xmlns:r="http://schemas.openxmlformats.org/officeDocument/2006/relationships" xmlns:p="http://schemas.openxmlformats.org/presentationml/2006/main">
-  <p:cSld>
-    <p:spTree>
-      <p:nvGrpSpPr>
-        <p:cNvPr id="1" name=""/>
-        <p:cNvGrpSpPr/>
-        <p:nvPr/>
-      </p:nvGrpSpPr>
-      <p:grpSpPr>
-        <a:xfrm>
-          <a:off x="0" y="0"/>
-          <a:ext cx="0" cy="0"/>
-          <a:chOff x="0" y="0"/>
-          <a:chExt cx="0" cy="0"/>
-        </a:xfrm>
-      </p:grpSpPr>
-      <p:sp>
-        <p:nvSpPr>
-          <p:cNvPr id="2" name="Заголовок 1">
-            <a:extLst>
-              <a:ext uri="{FF2B5EF4-FFF2-40B4-BE49-F238E27FC236}">
-                <a16:creationId xmlns:a16="http://schemas.microsoft.com/office/drawing/2014/main" id="{EBF3368F-0FBB-4643-B6E4-E11F2754E08D}"/>
-              </a:ext>
-            </a:extLst>
-          </p:cNvPr>
-          <p:cNvSpPr>
-            <a:spLocks noGrp="1"/>
-          </p:cNvSpPr>
-          <p:nvPr>
-            <p:ph type="title"/>
-          </p:nvPr>
-        </p:nvSpPr>
-        <p:spPr/>
-        <p:txBody>
-          <a:bodyPr/>
-          <a:lstStyle/>
-          <a:p>
-            <a:r>
-              <a:rPr lang="ru-RU" dirty="0"/>
-              <a:t>Выравнивание статистических рядов </a:t>
-            </a:r>
-          </a:p>
-        </p:txBody>
-      </p:sp>
-      <p:sp>
-        <p:nvSpPr>
-          <p:cNvPr id="3" name="Текст 2">
-            <a:extLst>
-              <a:ext uri="{FF2B5EF4-FFF2-40B4-BE49-F238E27FC236}">
-                <a16:creationId xmlns:a16="http://schemas.microsoft.com/office/drawing/2014/main" id="{7D24336B-FF0D-7542-8F96-F6BC6969907E}"/>
-              </a:ext>
-            </a:extLst>
-          </p:cNvPr>
-          <p:cNvSpPr>
-            <a:spLocks noGrp="1"/>
-          </p:cNvSpPr>
-          <p:nvPr>
-            <p:ph type="body" idx="1"/>
-          </p:nvPr>
-        </p:nvSpPr>
-        <p:spPr/>
-        <p:txBody>
-          <a:bodyPr/>
-          <a:lstStyle/>
-          <a:p>
-            <a:r>
-              <a:rPr lang="ru-RU" sz="1600" dirty="0">
-                <a:effectLst/>
-                <a:latin typeface="CenturyGothic"/>
-              </a:rPr>
-              <a:t>Во всяком статистическом распределении неизбежно присутствуют элементы случайности, связанные с тем. что число наблюдений ограничено, что произведены именно те, а не другие опыты, давшие именно те, а не другие результаты. </a:t>
-            </a:r>
-          </a:p>
-          <a:p>
-            <a:r>
-              <a:rPr lang="ru-RU" sz="1600" dirty="0">
-                <a:effectLst/>
-                <a:latin typeface="CenturyGothic"/>
-              </a:rPr>
-              <a:t>Только при очень большом числе наблюдений эти элементы случайности сглаживаются, и случайное явление обнаруживает в полной мере присущую ему закономерность. </a:t>
-            </a:r>
-          </a:p>
-          <a:p>
-            <a:r>
-              <a:rPr lang="ru-RU" sz="1600" dirty="0">
-                <a:effectLst/>
-                <a:latin typeface="CenturyGothic"/>
-              </a:rPr>
-              <a:t>На практике мы почти никогда не имеем дела с таким большим числом наблюдений и вынуждены считаться с тем, что любому ста­тистическому распределению свойственны в большей или меньшей, мере черты случайности. </a:t>
-            </a:r>
-          </a:p>
-          <a:p>
-            <a:r>
-              <a:rPr lang="ru-RU" sz="1600" dirty="0">
-                <a:effectLst/>
-                <a:latin typeface="CenturyGothic"/>
-              </a:rPr>
-              <a:t>Поэтому при обработке статистического материала часто приходится решать вопрос о том, как подобрать для данного статистического ряда теоретическую кривую распределения, выражающую лишь существенные черты статистического материала, но не случайности, связанные с недостаточным объемом эксперимен­тальных данных. Такая задача называется задачей </a:t>
-            </a:r>
-            <a:r>
-              <a:rPr lang="ru-RU" sz="1600" b="1" i="1" dirty="0">
-                <a:effectLst/>
-                <a:latin typeface="CenturyGothic"/>
-              </a:rPr>
-              <a:t>выравнивания </a:t>
-            </a:r>
-            <a:r>
-              <a:rPr lang="ru-RU" sz="1600" dirty="0">
-                <a:effectLst/>
-                <a:latin typeface="CenturyGothic"/>
-              </a:rPr>
-              <a:t>(сглаживания) </a:t>
-            </a:r>
-            <a:r>
-              <a:rPr lang="ru-RU" sz="1600" b="1" i="1" dirty="0">
-                <a:effectLst/>
-                <a:latin typeface="CenturyGothic"/>
-              </a:rPr>
-              <a:t>статистических рядов. </a:t>
-            </a:r>
-            <a:endParaRPr lang="ru-RU" sz="2400" dirty="0"/>
-          </a:p>
-          <a:p>
-            <a:r>
-              <a:rPr lang="ru-RU" sz="1600" dirty="0">
-                <a:effectLst/>
-                <a:latin typeface="CenturyGothic"/>
-              </a:rPr>
-              <a:t>Задача выравнивания заключается в том, чтобы подобрать теоре­тическую плавную кривую распределения, с той или иной точки зрения наилучшим образом описывающую данное статистическое рас­пределение. </a:t>
-            </a:r>
-            <a:endParaRPr lang="ru-RU" sz="2400" dirty="0"/>
-          </a:p>
-          <a:p>
-            <a:endParaRPr lang="ru-RU" sz="2400" dirty="0"/>
-          </a:p>
-        </p:txBody>
-      </p:sp>
-    </p:spTree>
-    <p:extLst>
-      <p:ext uri="{BB962C8B-B14F-4D97-AF65-F5344CB8AC3E}">
-        <p14:creationId xmlns:p14="http://schemas.microsoft.com/office/powerpoint/2010/main" val="2829172234"/>
-      </p:ext>
-    </p:extLst>
-  </p:cSld>
-  <p:clrMapOvr>
-    <a:masterClrMapping/>
-  </p:clrMapOvr>
-</p:sld>
-</file>
-
-<file path=ppt/slides/slide20.xml><?xml version="1.0" encoding="utf-8"?>
+<file path=ppt/slides/slide21.xml><?xml version="1.0" encoding="utf-8"?>
 <p:sld xmlns:a="http://schemas.openxmlformats.org/drawingml/2006/main" xmlns:r="http://schemas.openxmlformats.org/officeDocument/2006/relationships" xmlns:p="http://schemas.openxmlformats.org/presentationml/2006/main">
   <p:cSld>
     <p:spTree>
@@ -8299,8 +9281,8 @@
           </a:p>
         </p:txBody>
       </p:sp>
-      <mc:AlternateContent xmlns:mc="http://schemas.openxmlformats.org/markup-compatibility/2006">
-        <mc:Choice xmlns:a14="http://schemas.microsoft.com/office/drawing/2010/main" Requires="a14">
+      <mc:AlternateContent xmlns:mc="http://schemas.openxmlformats.org/markup-compatibility/2006" xmlns:a14="http://schemas.microsoft.com/office/drawing/2010/main">
+        <mc:Choice Requires="a14">
           <p:sp>
             <p:nvSpPr>
               <p:cNvPr id="3" name="Текст 2">
@@ -8510,7 +9492,7 @@
             </p:txBody>
           </p:sp>
         </mc:Choice>
-        <mc:Fallback>
+        <mc:Fallback xmlns="">
           <p:sp>
             <p:nvSpPr>
               <p:cNvPr id="3" name="Текст 2">
@@ -8563,7 +9545,7 @@
 </p:sld>
 </file>
 
-<file path=ppt/slides/slide21.xml><?xml version="1.0" encoding="utf-8"?>
+<file path=ppt/slides/slide22.xml><?xml version="1.0" encoding="utf-8"?>
 <p:sld xmlns:a="http://schemas.openxmlformats.org/drawingml/2006/main" xmlns:r="http://schemas.openxmlformats.org/officeDocument/2006/relationships" xmlns:p="http://schemas.openxmlformats.org/presentationml/2006/main">
   <p:cSld>
     <p:spTree>
@@ -8608,8 +9590,8 @@
           </a:p>
         </p:txBody>
       </p:sp>
-      <mc:AlternateContent xmlns:mc="http://schemas.openxmlformats.org/markup-compatibility/2006">
-        <mc:Choice xmlns:a14="http://schemas.microsoft.com/office/drawing/2010/main" Requires="a14">
+      <mc:AlternateContent xmlns:mc="http://schemas.openxmlformats.org/markup-compatibility/2006" xmlns:a14="http://schemas.microsoft.com/office/drawing/2010/main">
+        <mc:Choice Requires="a14">
           <p:sp>
             <p:nvSpPr>
               <p:cNvPr id="3" name="Текст 2">
@@ -8976,7 +9958,7 @@
             </p:txBody>
           </p:sp>
         </mc:Choice>
-        <mc:Fallback>
+        <mc:Fallback xmlns="">
           <p:sp>
             <p:nvSpPr>
               <p:cNvPr id="3" name="Текст 2">
@@ -9050,8 +10032,8 @@
           </a:prstGeom>
         </p:spPr>
       </p:pic>
-      <mc:AlternateContent xmlns:mc="http://schemas.openxmlformats.org/markup-compatibility/2006">
-        <mc:Choice xmlns:a14="http://schemas.microsoft.com/office/drawing/2010/main" Requires="a14">
+      <mc:AlternateContent xmlns:mc="http://schemas.openxmlformats.org/markup-compatibility/2006" xmlns:a14="http://schemas.microsoft.com/office/drawing/2010/main">
+        <mc:Choice Requires="a14">
           <p:sp>
             <p:nvSpPr>
               <p:cNvPr id="5" name="TextBox 4">
@@ -9080,6 +10062,7 @@
               </a:bodyPr>
               <a:lstStyle/>
               <a:p>
+                <a:pPr/>
                 <a14:m>
                   <m:oMathPara xmlns:m="http://schemas.openxmlformats.org/officeDocument/2006/math">
                     <m:oMathParaPr>
@@ -9220,7 +10203,7 @@
             </p:txBody>
           </p:sp>
         </mc:Choice>
-        <mc:Fallback>
+        <mc:Fallback xmlns="">
           <p:sp>
             <p:nvSpPr>
               <p:cNvPr id="5" name="TextBox 4">
@@ -9278,7 +10261,7 @@
 </p:sld>
 </file>
 
-<file path=ppt/slides/slide22.xml><?xml version="1.0" encoding="utf-8"?>
+<file path=ppt/slides/slide23.xml><?xml version="1.0" encoding="utf-8"?>
 <p:sld xmlns:a="http://schemas.openxmlformats.org/drawingml/2006/main" xmlns:r="http://schemas.openxmlformats.org/officeDocument/2006/relationships" xmlns:p="http://schemas.openxmlformats.org/presentationml/2006/main">
   <p:cSld>
     <p:spTree>
@@ -9652,8 +10635,8 @@
           </a:p>
         </p:txBody>
       </p:sp>
-      <mc:AlternateContent xmlns:mc="http://schemas.openxmlformats.org/markup-compatibility/2006">
-        <mc:Choice xmlns:a14="http://schemas.microsoft.com/office/drawing/2010/main" Requires="a14">
+      <mc:AlternateContent xmlns:mc="http://schemas.openxmlformats.org/markup-compatibility/2006" xmlns:a14="http://schemas.microsoft.com/office/drawing/2010/main">
+        <mc:Choice Requires="a14">
           <p:sp>
             <p:nvSpPr>
               <p:cNvPr id="3" name="Текст 2">
@@ -10242,7 +11225,7 @@
             </p:txBody>
           </p:sp>
         </mc:Choice>
-        <mc:Fallback>
+        <mc:Fallback xmlns="">
           <p:sp>
             <p:nvSpPr>
               <p:cNvPr id="3" name="Текст 2">
@@ -10340,8 +11323,8 @@
           </a:p>
         </p:txBody>
       </p:sp>
-      <mc:AlternateContent xmlns:mc="http://schemas.openxmlformats.org/markup-compatibility/2006">
-        <mc:Choice xmlns:a14="http://schemas.microsoft.com/office/drawing/2010/main" Requires="a14">
+      <mc:AlternateContent xmlns:mc="http://schemas.openxmlformats.org/markup-compatibility/2006" xmlns:a14="http://schemas.microsoft.com/office/drawing/2010/main">
+        <mc:Choice Requires="a14">
           <p:sp>
             <p:nvSpPr>
               <p:cNvPr id="3" name="TextBox 2">
@@ -10370,6 +11353,7 @@
               </a:bodyPr>
               <a:lstStyle/>
               <a:p>
+                <a:pPr/>
                 <a14:m>
                   <m:oMathPara xmlns:m="http://schemas.openxmlformats.org/officeDocument/2006/math">
                     <m:oMathParaPr>
@@ -10414,6 +11398,7 @@
                 <a:endParaRPr lang="en-US" sz="3600" b="0" dirty="0"/>
               </a:p>
               <a:p>
+                <a:pPr/>
                 <a14:m>
                   <m:oMathPara xmlns:m="http://schemas.openxmlformats.org/officeDocument/2006/math">
                     <m:oMathParaPr>
@@ -10502,7 +11487,7 @@
             </p:txBody>
           </p:sp>
         </mc:Choice>
-        <mc:Fallback>
+        <mc:Fallback xmlns="">
           <p:sp>
             <p:nvSpPr>
               <p:cNvPr id="3" name="TextBox 2">

--- a/math_ds_02.pptx
+++ b/math_ds_02.pptx
@@ -5,7 +5,7 @@
     <p:sldMasterId id="2147483660" r:id="rId1"/>
   </p:sldMasterIdLst>
   <p:notesMasterIdLst>
-    <p:notesMasterId r:id="rId25"/>
+    <p:notesMasterId r:id="rId26"/>
   </p:notesMasterIdLst>
   <p:sldIdLst>
     <p:sldId id="260" r:id="rId2"/>
@@ -30,7 +30,8 @@
     <p:sldId id="595" r:id="rId21"/>
     <p:sldId id="592" r:id="rId22"/>
     <p:sldId id="593" r:id="rId23"/>
-    <p:sldId id="594" r:id="rId24"/>
+    <p:sldId id="597" r:id="rId24"/>
+    <p:sldId id="594" r:id="rId25"/>
   </p:sldIdLst>
   <p:sldSz cx="9144000" cy="6858000" type="screen4x3"/>
   <p:notesSz cx="6858000" cy="9144000"/>
@@ -230,7 +231,7 @@
           <a:p>
             <a:fld id="{D0C80036-D26A-B341-B034-B9FD2002476C}" type="datetimeFigureOut">
               <a:rPr lang="ru-RU" smtClean="0"/>
-              <a:t>28.09.2023</a:t>
+              <a:t>05.10.2023</a:t>
             </a:fld>
             <a:endParaRPr lang="ru-RU"/>
           </a:p>
@@ -628,7 +629,7 @@
           <a:p>
             <a:fld id="{346252AE-C3AD-F64D-9D8B-E93D532416B6}" type="datetimeFigureOut">
               <a:rPr lang="ru-RU" smtClean="0"/>
-              <a:t>28.09.2023</a:t>
+              <a:t>05.10.2023</a:t>
             </a:fld>
             <a:endParaRPr lang="ru-RU"/>
           </a:p>
@@ -798,7 +799,7 @@
           <a:p>
             <a:fld id="{346252AE-C3AD-F64D-9D8B-E93D532416B6}" type="datetimeFigureOut">
               <a:rPr lang="ru-RU" smtClean="0"/>
-              <a:t>28.09.2023</a:t>
+              <a:t>05.10.2023</a:t>
             </a:fld>
             <a:endParaRPr lang="ru-RU"/>
           </a:p>
@@ -978,7 +979,7 @@
           <a:p>
             <a:fld id="{346252AE-C3AD-F64D-9D8B-E93D532416B6}" type="datetimeFigureOut">
               <a:rPr lang="ru-RU" smtClean="0"/>
-              <a:t>28.09.2023</a:t>
+              <a:t>05.10.2023</a:t>
             </a:fld>
             <a:endParaRPr lang="ru-RU"/>
           </a:p>
@@ -1498,7 +1499,7 @@
           <a:p>
             <a:fld id="{346252AE-C3AD-F64D-9D8B-E93D532416B6}" type="datetimeFigureOut">
               <a:rPr lang="ru-RU" smtClean="0"/>
-              <a:t>28.09.2023</a:t>
+              <a:t>05.10.2023</a:t>
             </a:fld>
             <a:endParaRPr lang="ru-RU"/>
           </a:p>
@@ -1742,7 +1743,7 @@
           <a:p>
             <a:fld id="{346252AE-C3AD-F64D-9D8B-E93D532416B6}" type="datetimeFigureOut">
               <a:rPr lang="ru-RU" smtClean="0"/>
-              <a:t>28.09.2023</a:t>
+              <a:t>05.10.2023</a:t>
             </a:fld>
             <a:endParaRPr lang="ru-RU"/>
           </a:p>
@@ -1974,7 +1975,7 @@
           <a:p>
             <a:fld id="{346252AE-C3AD-F64D-9D8B-E93D532416B6}" type="datetimeFigureOut">
               <a:rPr lang="ru-RU" smtClean="0"/>
-              <a:t>28.09.2023</a:t>
+              <a:t>05.10.2023</a:t>
             </a:fld>
             <a:endParaRPr lang="ru-RU"/>
           </a:p>
@@ -2341,7 +2342,7 @@
           <a:p>
             <a:fld id="{346252AE-C3AD-F64D-9D8B-E93D532416B6}" type="datetimeFigureOut">
               <a:rPr lang="ru-RU" smtClean="0"/>
-              <a:t>28.09.2023</a:t>
+              <a:t>05.10.2023</a:t>
             </a:fld>
             <a:endParaRPr lang="ru-RU"/>
           </a:p>
@@ -2459,7 +2460,7 @@
           <a:p>
             <a:fld id="{346252AE-C3AD-F64D-9D8B-E93D532416B6}" type="datetimeFigureOut">
               <a:rPr lang="ru-RU" smtClean="0"/>
-              <a:t>28.09.2023</a:t>
+              <a:t>05.10.2023</a:t>
             </a:fld>
             <a:endParaRPr lang="ru-RU"/>
           </a:p>
@@ -2554,7 +2555,7 @@
           <a:p>
             <a:fld id="{346252AE-C3AD-F64D-9D8B-E93D532416B6}" type="datetimeFigureOut">
               <a:rPr lang="ru-RU" smtClean="0"/>
-              <a:t>28.09.2023</a:t>
+              <a:t>05.10.2023</a:t>
             </a:fld>
             <a:endParaRPr lang="ru-RU"/>
           </a:p>
@@ -2831,7 +2832,7 @@
           <a:p>
             <a:fld id="{346252AE-C3AD-F64D-9D8B-E93D532416B6}" type="datetimeFigureOut">
               <a:rPr lang="ru-RU" smtClean="0"/>
-              <a:t>28.09.2023</a:t>
+              <a:t>05.10.2023</a:t>
             </a:fld>
             <a:endParaRPr lang="ru-RU"/>
           </a:p>
@@ -3088,7 +3089,7 @@
           <a:p>
             <a:fld id="{346252AE-C3AD-F64D-9D8B-E93D532416B6}" type="datetimeFigureOut">
               <a:rPr lang="ru-RU" smtClean="0"/>
-              <a:t>28.09.2023</a:t>
+              <a:t>05.10.2023</a:t>
             </a:fld>
             <a:endParaRPr lang="ru-RU"/>
           </a:p>
@@ -3301,7 +3302,7 @@
           <a:p>
             <a:fld id="{346252AE-C3AD-F64D-9D8B-E93D532416B6}" type="datetimeFigureOut">
               <a:rPr lang="ru-RU" smtClean="0"/>
-              <a:t>28.09.2023</a:t>
+              <a:t>05.10.2023</a:t>
             </a:fld>
             <a:endParaRPr lang="ru-RU"/>
           </a:p>
@@ -6570,8 +6571,8 @@
           </p:sp>
         </mc:Fallback>
       </mc:AlternateContent>
-      <mc:AlternateContent xmlns:mc="http://schemas.openxmlformats.org/markup-compatibility/2006">
-        <mc:Choice xmlns:a14="http://schemas.microsoft.com/office/drawing/2010/main" Requires="a14">
+      <mc:AlternateContent xmlns:mc="http://schemas.openxmlformats.org/markup-compatibility/2006" xmlns:a14="http://schemas.microsoft.com/office/drawing/2010/main">
+        <mc:Choice Requires="a14">
           <p:sp>
             <p:nvSpPr>
               <p:cNvPr id="3" name="TextBox 2">
@@ -7356,7 +7357,7 @@
             </p:txBody>
           </p:sp>
         </mc:Choice>
-        <mc:Fallback>
+        <mc:Fallback xmlns="">
           <p:sp>
             <p:nvSpPr>
               <p:cNvPr id="3" name="TextBox 2">
@@ -7431,8 +7432,8 @@
           <a:chExt cx="0" cy="0"/>
         </a:xfrm>
       </p:grpSpPr>
-      <mc:AlternateContent xmlns:mc="http://schemas.openxmlformats.org/markup-compatibility/2006">
-        <mc:Choice xmlns:a14="http://schemas.microsoft.com/office/drawing/2010/main" Requires="a14">
+      <mc:AlternateContent xmlns:mc="http://schemas.openxmlformats.org/markup-compatibility/2006" xmlns:a14="http://schemas.microsoft.com/office/drawing/2010/main">
+        <mc:Choice Requires="a14">
           <p:sp>
             <p:nvSpPr>
               <p:cNvPr id="2" name="Заголовок 1">
@@ -7496,7 +7497,7 @@
             </p:txBody>
           </p:sp>
         </mc:Choice>
-        <mc:Fallback>
+        <mc:Fallback xmlns="">
           <p:sp>
             <p:nvSpPr>
               <p:cNvPr id="2" name="Заголовок 1">
@@ -7836,13 +7837,7 @@
                             <a:rPr lang="en-US" sz="1800" b="0" i="1" smtClean="0">
                               <a:latin typeface="Cambria Math" panose="02040503050406030204" pitchFamily="18" charset="0"/>
                             </a:rPr>
-                            <m:t>=</m:t>
-                          </m:r>
-                          <m:r>
-                            <a:rPr lang="en-US" sz="1800" b="0" i="1" smtClean="0">
-                              <a:latin typeface="Cambria Math" panose="02040503050406030204" pitchFamily="18" charset="0"/>
-                            </a:rPr>
-                            <m:t>1</m:t>
+                            <m:t>=1</m:t>
                           </m:r>
                         </m:sub>
                         <m:sup>
@@ -7940,13 +7935,7 @@
                             <a:rPr lang="en-US" sz="1800" b="0" i="1" smtClean="0">
                               <a:latin typeface="Cambria Math" panose="02040503050406030204" pitchFamily="18" charset="0"/>
                             </a:rPr>
-                            <m:t>=</m:t>
-                          </m:r>
-                          <m:r>
-                            <a:rPr lang="en-US" sz="1800" b="0" i="1" smtClean="0">
-                              <a:latin typeface="Cambria Math" panose="02040503050406030204" pitchFamily="18" charset="0"/>
-                            </a:rPr>
-                            <m:t>1</m:t>
+                            <m:t>=1</m:t>
                           </m:r>
                         </m:sub>
                         <m:sup>
@@ -8106,13 +8095,7 @@
                             <a:rPr lang="en-US" sz="1800" b="0" i="1" smtClean="0">
                               <a:latin typeface="Cambria Math" panose="02040503050406030204" pitchFamily="18" charset="0"/>
                             </a:rPr>
-                            <m:t>=</m:t>
-                          </m:r>
-                          <m:r>
-                            <a:rPr lang="en-US" sz="1800" b="0" i="1" smtClean="0">
-                              <a:latin typeface="Cambria Math" panose="02040503050406030204" pitchFamily="18" charset="0"/>
-                            </a:rPr>
-                            <m:t>1</m:t>
+                            <m:t>=1</m:t>
                           </m:r>
                         </m:sub>
                         <m:sup>
@@ -9590,8 +9573,8 @@
           </a:p>
         </p:txBody>
       </p:sp>
-      <mc:AlternateContent xmlns:mc="http://schemas.openxmlformats.org/markup-compatibility/2006" xmlns:a14="http://schemas.microsoft.com/office/drawing/2010/main">
-        <mc:Choice Requires="a14">
+      <mc:AlternateContent xmlns:mc="http://schemas.openxmlformats.org/markup-compatibility/2006">
+        <mc:Choice xmlns:a14="http://schemas.microsoft.com/office/drawing/2010/main" Requires="a14">
           <p:sp>
             <p:nvSpPr>
               <p:cNvPr id="3" name="Текст 2">
@@ -9610,7 +9593,7 @@
             </p:nvSpPr>
             <p:spPr>
               <a:xfrm>
-                <a:off x="457200" y="2498652"/>
+                <a:off x="405959" y="2076283"/>
                 <a:ext cx="8229600" cy="4069148"/>
               </a:xfrm>
             </p:spPr>
@@ -9754,7 +9737,16 @@
                   </a:rPr>
                   <a:t>стремится к пределу</a:t>
                 </a:r>
-                <a:endParaRPr lang="ru-RU" dirty="0"/>
+                <a:endParaRPr lang="en-US" sz="1800" dirty="0">
+                  <a:effectLst/>
+                  <a:latin typeface="CenturyGothic"/>
+                </a:endParaRPr>
+              </a:p>
+              <a:p>
+                <a:pPr marL="38100" indent="0">
+                  <a:buNone/>
+                </a:pPr>
+                <a:endParaRPr lang="en-US" dirty="0"/>
               </a:p>
               <a:p>
                 <a:pPr marL="38100" indent="0">
@@ -9763,7 +9755,7 @@
                 <a14:m>
                   <m:oMathPara xmlns:m="http://schemas.openxmlformats.org/officeDocument/2006/math">
                     <m:oMathParaPr>
-                      <m:jc m:val="centerGroup"/>
+                      <m:jc m:val="left"/>
                     </m:oMathParaPr>
                     <m:oMath xmlns:m="http://schemas.openxmlformats.org/officeDocument/2006/math">
                       <m:r>
@@ -9958,7 +9950,7 @@
             </p:txBody>
           </p:sp>
         </mc:Choice>
-        <mc:Fallback xmlns="">
+        <mc:Fallback>
           <p:sp>
             <p:nvSpPr>
               <p:cNvPr id="3" name="Текст 2">
@@ -9977,13 +9969,13 @@
             </p:nvSpPr>
             <p:spPr>
               <a:xfrm>
-                <a:off x="457200" y="2498652"/>
+                <a:off x="405959" y="2076283"/>
                 <a:ext cx="8229600" cy="4069148"/>
               </a:xfrm>
               <a:blipFill>
                 <a:blip r:embed="rId2"/>
                 <a:stretch>
-                  <a:fillRect l="-1235" t="-2181" b="-8411"/>
+                  <a:fillRect l="-1233" t="-2181" b="-19315"/>
                 </a:stretch>
               </a:blipFill>
             </p:spPr>
@@ -10002,38 +9994,8 @@
           </p:sp>
         </mc:Fallback>
       </mc:AlternateContent>
-      <p:pic>
-        <p:nvPicPr>
-          <p:cNvPr id="8" name="Рисунок 7">
-            <a:extLst>
-              <a:ext uri="{FF2B5EF4-FFF2-40B4-BE49-F238E27FC236}">
-                <a16:creationId xmlns:a16="http://schemas.microsoft.com/office/drawing/2014/main" id="{A09DDB50-F4D3-974E-9D3C-64D4EE7F8DAA}"/>
-              </a:ext>
-            </a:extLst>
-          </p:cNvPr>
-          <p:cNvPicPr>
-            <a:picLocks noChangeAspect="1"/>
-          </p:cNvPicPr>
-          <p:nvPr/>
-        </p:nvPicPr>
-        <p:blipFill>
-          <a:blip r:embed="rId3"/>
-          <a:stretch>
-            <a:fillRect/>
-          </a:stretch>
-        </p:blipFill>
-        <p:spPr>
-          <a:xfrm>
-            <a:off x="647257" y="4908222"/>
-            <a:ext cx="3086100" cy="1752600"/>
-          </a:xfrm>
-          <a:prstGeom prst="rect">
-            <a:avLst/>
-          </a:prstGeom>
-        </p:spPr>
-      </p:pic>
-      <mc:AlternateContent xmlns:mc="http://schemas.openxmlformats.org/markup-compatibility/2006" xmlns:a14="http://schemas.microsoft.com/office/drawing/2010/main">
-        <mc:Choice Requires="a14">
+      <mc:AlternateContent xmlns:mc="http://schemas.openxmlformats.org/markup-compatibility/2006">
+        <mc:Choice xmlns:a14="http://schemas.microsoft.com/office/drawing/2010/main" Requires="a14">
           <p:sp>
             <p:nvSpPr>
               <p:cNvPr id="5" name="TextBox 4">
@@ -10048,7 +10010,7 @@
             </p:nvSpPr>
             <p:spPr>
               <a:xfrm>
-                <a:off x="1424763" y="1877659"/>
+                <a:off x="1424762" y="1645396"/>
                 <a:ext cx="5156790" cy="430887"/>
               </a:xfrm>
               <a:prstGeom prst="rect">
@@ -10203,7 +10165,7 @@
             </p:txBody>
           </p:sp>
         </mc:Choice>
-        <mc:Fallback xmlns="">
+        <mc:Fallback>
           <p:sp>
             <p:nvSpPr>
               <p:cNvPr id="5" name="TextBox 4">
@@ -10220,16 +10182,16 @@
             </p:nvSpPr>
             <p:spPr>
               <a:xfrm>
-                <a:off x="1424763" y="1877659"/>
+                <a:off x="1424762" y="1645396"/>
                 <a:ext cx="5156790" cy="430887"/>
               </a:xfrm>
               <a:prstGeom prst="rect">
                 <a:avLst/>
               </a:prstGeom>
               <a:blipFill>
-                <a:blip r:embed="rId4"/>
+                <a:blip r:embed="rId3"/>
                 <a:stretch>
-                  <a:fillRect t="-20000" b="-40000"/>
+                  <a:fillRect t="-22857" b="-40000"/>
                 </a:stretch>
               </a:blipFill>
             </p:spPr>
@@ -10248,6 +10210,36 @@
           </p:sp>
         </mc:Fallback>
       </mc:AlternateContent>
+      <p:pic>
+        <p:nvPicPr>
+          <p:cNvPr id="4" name="Рисунок 3">
+            <a:extLst>
+              <a:ext uri="{FF2B5EF4-FFF2-40B4-BE49-F238E27FC236}">
+                <a16:creationId xmlns:a16="http://schemas.microsoft.com/office/drawing/2014/main" id="{79BC2B32-301B-1443-B3BF-10A416E89E4F}"/>
+              </a:ext>
+            </a:extLst>
+          </p:cNvPr>
+          <p:cNvPicPr>
+            <a:picLocks noChangeAspect="1"/>
+          </p:cNvPicPr>
+          <p:nvPr/>
+        </p:nvPicPr>
+        <p:blipFill>
+          <a:blip r:embed="rId4"/>
+          <a:stretch>
+            <a:fillRect/>
+          </a:stretch>
+        </p:blipFill>
+        <p:spPr>
+          <a:xfrm>
+            <a:off x="4718938" y="3599734"/>
+            <a:ext cx="4206091" cy="3204143"/>
+          </a:xfrm>
+          <a:prstGeom prst="rect">
+            <a:avLst/>
+          </a:prstGeom>
+        </p:spPr>
+      </p:pic>
     </p:spTree>
     <p:extLst>
       <p:ext uri="{BB962C8B-B14F-4D97-AF65-F5344CB8AC3E}">
@@ -10262,6 +10254,117 @@
 </file>
 
 <file path=ppt/slides/slide23.xml><?xml version="1.0" encoding="utf-8"?>
+<p:sld xmlns:a="http://schemas.openxmlformats.org/drawingml/2006/main" xmlns:r="http://schemas.openxmlformats.org/officeDocument/2006/relationships" xmlns:p="http://schemas.openxmlformats.org/presentationml/2006/main">
+  <p:cSld>
+    <p:spTree>
+      <p:nvGrpSpPr>
+        <p:cNvPr id="1" name=""/>
+        <p:cNvGrpSpPr/>
+        <p:nvPr/>
+      </p:nvGrpSpPr>
+      <p:grpSpPr>
+        <a:xfrm>
+          <a:off x="0" y="0"/>
+          <a:ext cx="0" cy="0"/>
+          <a:chOff x="0" y="0"/>
+          <a:chExt cx="0" cy="0"/>
+        </a:xfrm>
+      </p:grpSpPr>
+      <p:sp>
+        <p:nvSpPr>
+          <p:cNvPr id="2" name="Заголовок 1">
+            <a:extLst>
+              <a:ext uri="{FF2B5EF4-FFF2-40B4-BE49-F238E27FC236}">
+                <a16:creationId xmlns:a16="http://schemas.microsoft.com/office/drawing/2014/main" id="{01075F99-FD99-7B4D-9A44-913BE9DC5908}"/>
+              </a:ext>
+            </a:extLst>
+          </p:cNvPr>
+          <p:cNvSpPr>
+            <a:spLocks noGrp="1"/>
+          </p:cNvSpPr>
+          <p:nvPr>
+            <p:ph type="title"/>
+          </p:nvPr>
+        </p:nvSpPr>
+        <p:spPr>
+          <a:xfrm>
+            <a:off x="106326" y="274637"/>
+            <a:ext cx="9037674" cy="1143200"/>
+          </a:xfrm>
+        </p:spPr>
+        <p:txBody>
+          <a:bodyPr/>
+          <a:lstStyle/>
+          <a:p>
+            <a:r>
+              <a:rPr lang="ru-RU" dirty="0"/>
+              <a:t>Как посчитать критерий</a:t>
+            </a:r>
+            <a:r>
+              <a:rPr lang="en-US" dirty="0"/>
+              <a:t> </a:t>
+            </a:r>
+            <a:r>
+              <a:rPr lang="ru-RU" dirty="0"/>
+              <a:t>Колмогорова</a:t>
+            </a:r>
+          </a:p>
+        </p:txBody>
+      </p:sp>
+      <p:sp>
+        <p:nvSpPr>
+          <p:cNvPr id="3" name="Текст 2">
+            <a:extLst>
+              <a:ext uri="{FF2B5EF4-FFF2-40B4-BE49-F238E27FC236}">
+                <a16:creationId xmlns:a16="http://schemas.microsoft.com/office/drawing/2014/main" id="{EA34BA88-181C-8C46-BC6A-2CC98DA796A9}"/>
+              </a:ext>
+            </a:extLst>
+          </p:cNvPr>
+          <p:cNvSpPr>
+            <a:spLocks noGrp="1"/>
+          </p:cNvSpPr>
+          <p:nvPr>
+            <p:ph type="body" idx="1"/>
+          </p:nvPr>
+        </p:nvSpPr>
+        <p:spPr/>
+        <p:txBody>
+          <a:bodyPr/>
+          <a:lstStyle/>
+          <a:p>
+            <a:pPr marL="38100" indent="0">
+              <a:buNone/>
+            </a:pPr>
+            <a:r>
+              <a:rPr lang="en" dirty="0">
+                <a:hlinkClick r:id="rId2"/>
+              </a:rPr>
+              <a:t>https://colab.research.google.com/drive/1g9aS5RpoBYB-xcwreZ0TCns0RBBL-mdv</a:t>
+            </a:r>
+            <a:endParaRPr lang="ru-RU" dirty="0"/>
+          </a:p>
+          <a:p>
+            <a:pPr marL="38100" indent="0">
+              <a:buNone/>
+            </a:pPr>
+            <a:endParaRPr lang="ru-RU" dirty="0"/>
+          </a:p>
+        </p:txBody>
+      </p:sp>
+    </p:spTree>
+    <p:extLst>
+      <p:ext uri="{BB962C8B-B14F-4D97-AF65-F5344CB8AC3E}">
+        <p14:creationId xmlns:p14="http://schemas.microsoft.com/office/powerpoint/2010/main" val="2575858063"/>
+      </p:ext>
+    </p:extLst>
+  </p:cSld>
+  <p:clrMapOvr>
+    <a:masterClrMapping/>
+  </p:clrMapOvr>
+</p:sld>
+</file>
+
+<file path=ppt/slides/slide24.xml><?xml version="1.0" encoding="utf-8"?>
 <p:sld xmlns:a="http://schemas.openxmlformats.org/drawingml/2006/main" xmlns:r="http://schemas.openxmlformats.org/officeDocument/2006/relationships" xmlns:p="http://schemas.openxmlformats.org/presentationml/2006/main">
   <p:cSld>
     <p:spTree>

--- a/math_ds_02.pptx
+++ b/math_ds_02.pptx
@@ -4228,8 +4228,8 @@
           </a:p>
         </p:txBody>
       </p:sp>
-      <mc:AlternateContent xmlns:mc="http://schemas.openxmlformats.org/markup-compatibility/2006" xmlns:a14="http://schemas.microsoft.com/office/drawing/2010/main">
-        <mc:Choice Requires="a14">
+      <mc:AlternateContent xmlns:mc="http://schemas.openxmlformats.org/markup-compatibility/2006">
+        <mc:Choice xmlns:a14="http://schemas.microsoft.com/office/drawing/2010/main" Requires="a14">
           <p:sp>
             <p:nvSpPr>
               <p:cNvPr id="3" name="Текст 2">
@@ -4279,11 +4279,17 @@
                   <a:t>верна, и вычислим в этом предположении вероятность того, что за счет случайных причин, связанных с недо­статочным объемом опытного материала, мера расхождения </a:t>
                 </a:r>
                 <a:r>
-                  <a:rPr lang="ru-RU" sz="2400" b="1" i="1" dirty="0">
-                    <a:effectLst/>
-                    <a:latin typeface="CenturyGothic"/>
-                  </a:rPr>
-                  <a:t>и </a:t>
+                  <a:rPr lang="en-US" sz="2400" b="1" i="1" dirty="0">
+                    <a:latin typeface="CenturyGothic"/>
+                  </a:rPr>
+                  <a:t>U</a:t>
+                </a:r>
+                <a:r>
+                  <a:rPr lang="ru-RU" sz="2400" b="1" i="1">
+                    <a:effectLst/>
+                    <a:latin typeface="CenturyGothic"/>
+                  </a:rPr>
+                  <a:t> </a:t>
                 </a:r>
                 <a:r>
                   <a:rPr lang="ru-RU" sz="2400" dirty="0">
@@ -4406,7 +4412,7 @@
             </p:txBody>
           </p:sp>
         </mc:Choice>
-        <mc:Fallback xmlns="">
+        <mc:Fallback>
           <p:sp>
             <p:nvSpPr>
               <p:cNvPr id="3" name="Текст 2">
@@ -9573,8 +9579,8 @@
           </a:p>
         </p:txBody>
       </p:sp>
-      <mc:AlternateContent xmlns:mc="http://schemas.openxmlformats.org/markup-compatibility/2006">
-        <mc:Choice xmlns:a14="http://schemas.microsoft.com/office/drawing/2010/main" Requires="a14">
+      <mc:AlternateContent xmlns:mc="http://schemas.openxmlformats.org/markup-compatibility/2006" xmlns:a14="http://schemas.microsoft.com/office/drawing/2010/main">
+        <mc:Choice Requires="a14">
           <p:sp>
             <p:nvSpPr>
               <p:cNvPr id="3" name="Текст 2">
@@ -9950,7 +9956,7 @@
             </p:txBody>
           </p:sp>
         </mc:Choice>
-        <mc:Fallback>
+        <mc:Fallback xmlns="">
           <p:sp>
             <p:nvSpPr>
               <p:cNvPr id="3" name="Текст 2">
@@ -9994,8 +10000,8 @@
           </p:sp>
         </mc:Fallback>
       </mc:AlternateContent>
-      <mc:AlternateContent xmlns:mc="http://schemas.openxmlformats.org/markup-compatibility/2006">
-        <mc:Choice xmlns:a14="http://schemas.microsoft.com/office/drawing/2010/main" Requires="a14">
+      <mc:AlternateContent xmlns:mc="http://schemas.openxmlformats.org/markup-compatibility/2006" xmlns:a14="http://schemas.microsoft.com/office/drawing/2010/main">
+        <mc:Choice Requires="a14">
           <p:sp>
             <p:nvSpPr>
               <p:cNvPr id="5" name="TextBox 4">
@@ -10165,7 +10171,7 @@
             </p:txBody>
           </p:sp>
         </mc:Choice>
-        <mc:Fallback>
+        <mc:Fallback xmlns="">
           <p:sp>
             <p:nvSpPr>
               <p:cNvPr id="5" name="TextBox 4">
